--- a/results/results_hochformat.pptx
+++ b/results/results_hochformat.pptx
@@ -5,10 +5,16 @@
     <p:sldMasterId id="2147483708" r:id="rId1"/>
   </p:sldMasterIdLst>
   <p:sldIdLst>
-    <p:sldId id="257" r:id="rId2"/>
-    <p:sldId id="258" r:id="rId3"/>
-    <p:sldId id="259" r:id="rId4"/>
-    <p:sldId id="256" r:id="rId5"/>
+    <p:sldId id="260" r:id="rId2"/>
+    <p:sldId id="257" r:id="rId3"/>
+    <p:sldId id="261" r:id="rId4"/>
+    <p:sldId id="258" r:id="rId5"/>
+    <p:sldId id="262" r:id="rId6"/>
+    <p:sldId id="259" r:id="rId7"/>
+    <p:sldId id="264" r:id="rId8"/>
+    <p:sldId id="256" r:id="rId9"/>
+    <p:sldId id="265" r:id="rId10"/>
+    <p:sldId id="263" r:id="rId11"/>
   </p:sldIdLst>
   <p:sldSz cx="6119813" cy="9720263"/>
   <p:notesSz cx="6858000" cy="9144000"/>
@@ -107,6 +113,11 @@
       </a:defRPr>
     </a:lvl9pPr>
   </p:defaultTextStyle>
+  <p:extLst>
+    <p:ext uri="{EFAFB233-063F-42B5-8137-9DF3F51BA10A}">
+      <p15:sldGuideLst xmlns:p15="http://schemas.microsoft.com/office/powerpoint/2012/main"/>
+    </p:ext>
+  </p:extLst>
 </p:presentation>
 </file>
 
@@ -241,7 +252,7 @@
           <a:p>
             <a:fld id="{945680E3-2491-4614-A3B2-513878637310}" type="datetimeFigureOut">
               <a:rPr lang="en-US" smtClean="0"/>
-              <a:t>4/11/2022</a:t>
+              <a:t>5/17/2022</a:t>
             </a:fld>
             <a:endParaRPr lang="en-US"/>
           </a:p>
@@ -411,7 +422,7 @@
           <a:p>
             <a:fld id="{945680E3-2491-4614-A3B2-513878637310}" type="datetimeFigureOut">
               <a:rPr lang="en-US" smtClean="0"/>
-              <a:t>4/11/2022</a:t>
+              <a:t>5/17/2022</a:t>
             </a:fld>
             <a:endParaRPr lang="en-US"/>
           </a:p>
@@ -591,7 +602,7 @@
           <a:p>
             <a:fld id="{945680E3-2491-4614-A3B2-513878637310}" type="datetimeFigureOut">
               <a:rPr lang="en-US" smtClean="0"/>
-              <a:t>4/11/2022</a:t>
+              <a:t>5/17/2022</a:t>
             </a:fld>
             <a:endParaRPr lang="en-US"/>
           </a:p>
@@ -761,7 +772,7 @@
           <a:p>
             <a:fld id="{945680E3-2491-4614-A3B2-513878637310}" type="datetimeFigureOut">
               <a:rPr lang="en-US" smtClean="0"/>
-              <a:t>4/11/2022</a:t>
+              <a:t>5/17/2022</a:t>
             </a:fld>
             <a:endParaRPr lang="en-US"/>
           </a:p>
@@ -1005,7 +1016,7 @@
           <a:p>
             <a:fld id="{945680E3-2491-4614-A3B2-513878637310}" type="datetimeFigureOut">
               <a:rPr lang="en-US" smtClean="0"/>
-              <a:t>4/11/2022</a:t>
+              <a:t>5/17/2022</a:t>
             </a:fld>
             <a:endParaRPr lang="en-US"/>
           </a:p>
@@ -1237,7 +1248,7 @@
           <a:p>
             <a:fld id="{945680E3-2491-4614-A3B2-513878637310}" type="datetimeFigureOut">
               <a:rPr lang="en-US" smtClean="0"/>
-              <a:t>4/11/2022</a:t>
+              <a:t>5/17/2022</a:t>
             </a:fld>
             <a:endParaRPr lang="en-US"/>
           </a:p>
@@ -1604,7 +1615,7 @@
           <a:p>
             <a:fld id="{945680E3-2491-4614-A3B2-513878637310}" type="datetimeFigureOut">
               <a:rPr lang="en-US" smtClean="0"/>
-              <a:t>4/11/2022</a:t>
+              <a:t>5/17/2022</a:t>
             </a:fld>
             <a:endParaRPr lang="en-US"/>
           </a:p>
@@ -1722,7 +1733,7 @@
           <a:p>
             <a:fld id="{945680E3-2491-4614-A3B2-513878637310}" type="datetimeFigureOut">
               <a:rPr lang="en-US" smtClean="0"/>
-              <a:t>4/11/2022</a:t>
+              <a:t>5/17/2022</a:t>
             </a:fld>
             <a:endParaRPr lang="en-US"/>
           </a:p>
@@ -1817,7 +1828,7 @@
           <a:p>
             <a:fld id="{945680E3-2491-4614-A3B2-513878637310}" type="datetimeFigureOut">
               <a:rPr lang="en-US" smtClean="0"/>
-              <a:t>4/11/2022</a:t>
+              <a:t>5/17/2022</a:t>
             </a:fld>
             <a:endParaRPr lang="en-US"/>
           </a:p>
@@ -2094,7 +2105,7 @@
           <a:p>
             <a:fld id="{945680E3-2491-4614-A3B2-513878637310}" type="datetimeFigureOut">
               <a:rPr lang="en-US" smtClean="0"/>
-              <a:t>4/11/2022</a:t>
+              <a:t>5/17/2022</a:t>
             </a:fld>
             <a:endParaRPr lang="en-US"/>
           </a:p>
@@ -2351,7 +2362,7 @@
           <a:p>
             <a:fld id="{945680E3-2491-4614-A3B2-513878637310}" type="datetimeFigureOut">
               <a:rPr lang="en-US" smtClean="0"/>
-              <a:t>4/11/2022</a:t>
+              <a:t>5/17/2022</a:t>
             </a:fld>
             <a:endParaRPr lang="en-US"/>
           </a:p>
@@ -2564,7 +2575,7 @@
           <a:p>
             <a:fld id="{945680E3-2491-4614-A3B2-513878637310}" type="datetimeFigureOut">
               <a:rPr lang="en-US" smtClean="0"/>
-              <a:t>4/11/2022</a:t>
+              <a:t>5/17/2022</a:t>
             </a:fld>
             <a:endParaRPr lang="en-US"/>
           </a:p>
@@ -2971,6 +2982,489 @@
       </p:grpSpPr>
       <p:pic>
         <p:nvPicPr>
+          <p:cNvPr id="2" name="Inhaltsplatzhalter 3"/>
+          <p:cNvPicPr>
+            <a:picLocks noChangeAspect="1"/>
+          </p:cNvPicPr>
+          <p:nvPr/>
+        </p:nvPicPr>
+        <p:blipFill>
+          <a:blip r:embed="rId2" cstate="print">
+            <a:extLst>
+              <a:ext uri="{28A0092B-C50C-407E-A947-70E740481C1C}">
+                <a14:useLocalDpi xmlns:a14="http://schemas.microsoft.com/office/drawing/2010/main" val="0"/>
+              </a:ext>
+            </a:extLst>
+          </a:blip>
+          <a:stretch>
+            <a:fillRect/>
+          </a:stretch>
+        </p:blipFill>
+        <p:spPr>
+          <a:xfrm>
+            <a:off x="3007383" y="3670283"/>
+            <a:ext cx="2541937" cy="1552426"/>
+          </a:xfrm>
+          <a:prstGeom prst="rect">
+            <a:avLst/>
+          </a:prstGeom>
+        </p:spPr>
+      </p:pic>
+      <p:pic>
+        <p:nvPicPr>
+          <p:cNvPr id="3" name="Grafik 2"/>
+          <p:cNvPicPr>
+            <a:picLocks noChangeAspect="1"/>
+          </p:cNvPicPr>
+          <p:nvPr/>
+        </p:nvPicPr>
+        <p:blipFill rotWithShape="1">
+          <a:blip r:embed="rId3" cstate="print">
+            <a:extLst>
+              <a:ext uri="{28A0092B-C50C-407E-A947-70E740481C1C}">
+                <a14:useLocalDpi xmlns:a14="http://schemas.microsoft.com/office/drawing/2010/main" val="0"/>
+              </a:ext>
+            </a:extLst>
+          </a:blip>
+          <a:srcRect l="25842" t="18222" r="23580" b="17037"/>
+          <a:stretch/>
+        </p:blipFill>
+        <p:spPr>
+          <a:xfrm>
+            <a:off x="3609696" y="5105015"/>
+            <a:ext cx="1319431" cy="1031469"/>
+          </a:xfrm>
+          <a:prstGeom prst="rect">
+            <a:avLst/>
+          </a:prstGeom>
+        </p:spPr>
+      </p:pic>
+      <p:pic>
+        <p:nvPicPr>
+          <p:cNvPr id="4" name="Grafik 3"/>
+          <p:cNvPicPr>
+            <a:picLocks noChangeAspect="1"/>
+          </p:cNvPicPr>
+          <p:nvPr/>
+        </p:nvPicPr>
+        <p:blipFill>
+          <a:blip r:embed="rId4" cstate="print">
+            <a:extLst>
+              <a:ext uri="{28A0092B-C50C-407E-A947-70E740481C1C}">
+                <a14:useLocalDpi xmlns:a14="http://schemas.microsoft.com/office/drawing/2010/main" val="0"/>
+              </a:ext>
+            </a:extLst>
+          </a:blip>
+          <a:stretch>
+            <a:fillRect/>
+          </a:stretch>
+        </p:blipFill>
+        <p:spPr>
+          <a:xfrm>
+            <a:off x="471488" y="3670283"/>
+            <a:ext cx="2541937" cy="1552425"/>
+          </a:xfrm>
+          <a:prstGeom prst="rect">
+            <a:avLst/>
+          </a:prstGeom>
+        </p:spPr>
+      </p:pic>
+      <p:pic>
+        <p:nvPicPr>
+          <p:cNvPr id="5" name="Grafik 4"/>
+          <p:cNvPicPr>
+            <a:picLocks noChangeAspect="1"/>
+          </p:cNvPicPr>
+          <p:nvPr/>
+        </p:nvPicPr>
+        <p:blipFill rotWithShape="1">
+          <a:blip r:embed="rId5" cstate="print">
+            <a:extLst>
+              <a:ext uri="{28A0092B-C50C-407E-A947-70E740481C1C}">
+                <a14:useLocalDpi xmlns:a14="http://schemas.microsoft.com/office/drawing/2010/main" val="0"/>
+              </a:ext>
+            </a:extLst>
+          </a:blip>
+          <a:srcRect l="25481" t="16000" r="22947" b="18518"/>
+          <a:stretch/>
+        </p:blipFill>
+        <p:spPr>
+          <a:xfrm>
+            <a:off x="1059806" y="5077778"/>
+            <a:ext cx="1365300" cy="1058706"/>
+          </a:xfrm>
+          <a:prstGeom prst="rect">
+            <a:avLst/>
+          </a:prstGeom>
+        </p:spPr>
+      </p:pic>
+      <p:sp>
+        <p:nvSpPr>
+          <p:cNvPr id="6" name="Textfeld 5"/>
+          <p:cNvSpPr txBox="1"/>
+          <p:nvPr/>
+        </p:nvSpPr>
+        <p:spPr>
+          <a:xfrm>
+            <a:off x="1152396" y="4963479"/>
+            <a:ext cx="1234794" cy="276999"/>
+          </a:xfrm>
+          <a:prstGeom prst="rect">
+            <a:avLst/>
+          </a:prstGeom>
+          <a:noFill/>
+        </p:spPr>
+        <p:txBody>
+          <a:bodyPr wrap="square" rtlCol="0">
+            <a:spAutoFit/>
+          </a:bodyPr>
+          <a:lstStyle/>
+          <a:p>
+            <a:pPr algn="ctr"/>
+            <a:r>
+              <a:rPr lang="en-US" sz="1200" b="1" dirty="0">
+                <a:latin typeface="Helvetica" pitchFamily="2" charset="0"/>
+              </a:rPr>
+              <a:t>FDG-PET</a:t>
+            </a:r>
+          </a:p>
+        </p:txBody>
+      </p:sp>
+      <p:sp>
+        <p:nvSpPr>
+          <p:cNvPr id="7" name="Textfeld 6"/>
+          <p:cNvSpPr txBox="1"/>
+          <p:nvPr/>
+        </p:nvSpPr>
+        <p:spPr>
+          <a:xfrm>
+            <a:off x="3873974" y="4963478"/>
+            <a:ext cx="828675" cy="276999"/>
+          </a:xfrm>
+          <a:prstGeom prst="rect">
+            <a:avLst/>
+          </a:prstGeom>
+          <a:noFill/>
+        </p:spPr>
+        <p:txBody>
+          <a:bodyPr wrap="square" rtlCol="0">
+            <a:spAutoFit/>
+          </a:bodyPr>
+          <a:lstStyle/>
+          <a:p>
+            <a:pPr algn="ctr"/>
+            <a:r>
+              <a:rPr lang="en-US" sz="1200" b="1" dirty="0">
+                <a:latin typeface="Helvetica" pitchFamily="2" charset="0"/>
+              </a:rPr>
+              <a:t>MRI</a:t>
+            </a:r>
+          </a:p>
+        </p:txBody>
+      </p:sp>
+      <p:sp>
+        <p:nvSpPr>
+          <p:cNvPr id="8" name="Textfeld 7"/>
+          <p:cNvSpPr txBox="1"/>
+          <p:nvPr/>
+        </p:nvSpPr>
+        <p:spPr>
+          <a:xfrm>
+            <a:off x="171450" y="5859264"/>
+            <a:ext cx="828675" cy="276999"/>
+          </a:xfrm>
+          <a:prstGeom prst="rect">
+            <a:avLst/>
+          </a:prstGeom>
+          <a:noFill/>
+        </p:spPr>
+        <p:txBody>
+          <a:bodyPr wrap="square" rtlCol="0">
+            <a:spAutoFit/>
+          </a:bodyPr>
+          <a:lstStyle/>
+          <a:p>
+            <a:pPr algn="ctr"/>
+            <a:r>
+              <a:rPr lang="en-US" sz="1200" b="1" dirty="0">
+                <a:latin typeface="Helvetica" pitchFamily="2" charset="0"/>
+              </a:rPr>
+              <a:t>a)</a:t>
+            </a:r>
+          </a:p>
+        </p:txBody>
+      </p:sp>
+      <p:sp>
+        <p:nvSpPr>
+          <p:cNvPr id="9" name="Textfeld 8"/>
+          <p:cNvSpPr txBox="1"/>
+          <p:nvPr/>
+        </p:nvSpPr>
+        <p:spPr>
+          <a:xfrm>
+            <a:off x="2781020" y="5859264"/>
+            <a:ext cx="828675" cy="276999"/>
+          </a:xfrm>
+          <a:prstGeom prst="rect">
+            <a:avLst/>
+          </a:prstGeom>
+          <a:noFill/>
+        </p:spPr>
+        <p:txBody>
+          <a:bodyPr wrap="square" rtlCol="0">
+            <a:spAutoFit/>
+          </a:bodyPr>
+          <a:lstStyle/>
+          <a:p>
+            <a:pPr algn="ctr"/>
+            <a:r>
+              <a:rPr lang="en-US" sz="1200" b="1" dirty="0">
+                <a:latin typeface="Helvetica" pitchFamily="2" charset="0"/>
+              </a:rPr>
+              <a:t>b)</a:t>
+            </a:r>
+          </a:p>
+        </p:txBody>
+      </p:sp>
+    </p:spTree>
+    <p:extLst>
+      <p:ext uri="{BB962C8B-B14F-4D97-AF65-F5344CB8AC3E}">
+        <p14:creationId xmlns:p14="http://schemas.microsoft.com/office/powerpoint/2010/main" val="1869961160"/>
+      </p:ext>
+    </p:extLst>
+  </p:cSld>
+  <p:clrMapOvr>
+    <a:masterClrMapping/>
+  </p:clrMapOvr>
+</p:sld>
+</file>
+
+<file path=ppt/slides/slide10.xml><?xml version="1.0" encoding="utf-8"?>
+<p:sld xmlns:a="http://schemas.openxmlformats.org/drawingml/2006/main" xmlns:r="http://schemas.openxmlformats.org/officeDocument/2006/relationships" xmlns:p="http://schemas.openxmlformats.org/presentationml/2006/main">
+  <p:cSld>
+    <p:spTree>
+      <p:nvGrpSpPr>
+        <p:cNvPr id="1" name=""/>
+        <p:cNvGrpSpPr/>
+        <p:nvPr/>
+      </p:nvGrpSpPr>
+      <p:grpSpPr>
+        <a:xfrm>
+          <a:off x="0" y="0"/>
+          <a:ext cx="0" cy="0"/>
+          <a:chOff x="0" y="0"/>
+          <a:chExt cx="0" cy="0"/>
+        </a:xfrm>
+      </p:grpSpPr>
+      <p:sp>
+        <p:nvSpPr>
+          <p:cNvPr id="2" name="Titel 1"/>
+          <p:cNvSpPr>
+            <a:spLocks noGrp="1"/>
+          </p:cNvSpPr>
+          <p:nvPr>
+            <p:ph type="title"/>
+          </p:nvPr>
+        </p:nvSpPr>
+        <p:spPr/>
+        <p:txBody>
+          <a:bodyPr/>
+          <a:lstStyle/>
+          <a:p>
+            <a:endParaRPr lang="en-US"/>
+          </a:p>
+        </p:txBody>
+      </p:sp>
+      <p:sp>
+        <p:nvSpPr>
+          <p:cNvPr id="43" name="Ellipse 42"/>
+          <p:cNvSpPr/>
+          <p:nvPr/>
+        </p:nvSpPr>
+        <p:spPr>
+          <a:xfrm>
+            <a:off x="1113125" y="4575944"/>
+            <a:ext cx="56882" cy="56882"/>
+          </a:xfrm>
+          <a:prstGeom prst="ellipse">
+            <a:avLst/>
+          </a:prstGeom>
+          <a:solidFill>
+            <a:schemeClr val="bg1">
+              <a:lumMod val="75000"/>
+            </a:schemeClr>
+          </a:solidFill>
+          <a:ln>
+            <a:noFill/>
+          </a:ln>
+        </p:spPr>
+        <p:style>
+          <a:lnRef idx="2">
+            <a:schemeClr val="accent1">
+              <a:shade val="50000"/>
+            </a:schemeClr>
+          </a:lnRef>
+          <a:fillRef idx="1">
+            <a:schemeClr val="accent1"/>
+          </a:fillRef>
+          <a:effectRef idx="0">
+            <a:schemeClr val="accent1"/>
+          </a:effectRef>
+          <a:fontRef idx="minor">
+            <a:schemeClr val="lt1"/>
+          </a:fontRef>
+        </p:style>
+        <p:txBody>
+          <a:bodyPr rtlCol="0" anchor="ctr"/>
+          <a:lstStyle/>
+          <a:p>
+            <a:pPr algn="ctr"/>
+            <a:endParaRPr lang="en-US" sz="1013"/>
+          </a:p>
+        </p:txBody>
+      </p:sp>
+      <p:sp>
+        <p:nvSpPr>
+          <p:cNvPr id="46" name="Ellipse 45"/>
+          <p:cNvSpPr/>
+          <p:nvPr/>
+        </p:nvSpPr>
+        <p:spPr>
+          <a:xfrm>
+            <a:off x="1265525" y="4728344"/>
+            <a:ext cx="56882" cy="56882"/>
+          </a:xfrm>
+          <a:prstGeom prst="ellipse">
+            <a:avLst/>
+          </a:prstGeom>
+          <a:solidFill>
+            <a:schemeClr val="bg1">
+              <a:lumMod val="75000"/>
+            </a:schemeClr>
+          </a:solidFill>
+          <a:ln>
+            <a:noFill/>
+          </a:ln>
+        </p:spPr>
+        <p:style>
+          <a:lnRef idx="2">
+            <a:schemeClr val="accent1">
+              <a:shade val="50000"/>
+            </a:schemeClr>
+          </a:lnRef>
+          <a:fillRef idx="1">
+            <a:schemeClr val="accent1"/>
+          </a:fillRef>
+          <a:effectRef idx="0">
+            <a:schemeClr val="accent1"/>
+          </a:effectRef>
+          <a:fontRef idx="minor">
+            <a:schemeClr val="lt1"/>
+          </a:fontRef>
+        </p:style>
+        <p:txBody>
+          <a:bodyPr rtlCol="0" anchor="ctr"/>
+          <a:lstStyle/>
+          <a:p>
+            <a:pPr algn="ctr"/>
+            <a:endParaRPr lang="en-US" sz="1013"/>
+          </a:p>
+        </p:txBody>
+      </p:sp>
+      <p:pic>
+        <p:nvPicPr>
+          <p:cNvPr id="47" name="Grafik 46"/>
+          <p:cNvPicPr>
+            <a:picLocks noChangeAspect="1"/>
+          </p:cNvPicPr>
+          <p:nvPr/>
+        </p:nvPicPr>
+        <p:blipFill>
+          <a:blip r:embed="rId2"/>
+          <a:stretch>
+            <a:fillRect/>
+          </a:stretch>
+        </p:blipFill>
+        <p:spPr>
+          <a:xfrm>
+            <a:off x="-83313" y="3368656"/>
+            <a:ext cx="6852498" cy="3048264"/>
+          </a:xfrm>
+          <a:prstGeom prst="rect">
+            <a:avLst/>
+          </a:prstGeom>
+        </p:spPr>
+      </p:pic>
+      <p:sp>
+        <p:nvSpPr>
+          <p:cNvPr id="6" name="Textfeld 5"/>
+          <p:cNvSpPr txBox="1"/>
+          <p:nvPr/>
+        </p:nvSpPr>
+        <p:spPr>
+          <a:xfrm>
+            <a:off x="2545993" y="4157908"/>
+            <a:ext cx="4450080" cy="769441"/>
+          </a:xfrm>
+          <a:prstGeom prst="rect">
+            <a:avLst/>
+          </a:prstGeom>
+          <a:noFill/>
+        </p:spPr>
+        <p:txBody>
+          <a:bodyPr wrap="square" rtlCol="0">
+            <a:spAutoFit/>
+          </a:bodyPr>
+          <a:lstStyle/>
+          <a:p>
+            <a:r>
+              <a:rPr lang="en-US" sz="4400" b="1" dirty="0" smtClean="0">
+                <a:solidFill>
+                  <a:srgbClr val="FF0000"/>
+                </a:solidFill>
+              </a:rPr>
+              <a:t>OLD</a:t>
+            </a:r>
+            <a:endParaRPr lang="en-US" sz="4400" b="1" dirty="0">
+              <a:solidFill>
+                <a:srgbClr val="FF0000"/>
+              </a:solidFill>
+            </a:endParaRPr>
+          </a:p>
+        </p:txBody>
+      </p:sp>
+    </p:spTree>
+    <p:extLst>
+      <p:ext uri="{BB962C8B-B14F-4D97-AF65-F5344CB8AC3E}">
+        <p14:creationId xmlns:p14="http://schemas.microsoft.com/office/powerpoint/2010/main" val="2207814914"/>
+      </p:ext>
+    </p:extLst>
+  </p:cSld>
+  <p:clrMapOvr>
+    <a:masterClrMapping/>
+  </p:clrMapOvr>
+</p:sld>
+</file>
+
+<file path=ppt/slides/slide2.xml><?xml version="1.0" encoding="utf-8"?>
+<p:sld xmlns:a="http://schemas.openxmlformats.org/drawingml/2006/main" xmlns:r="http://schemas.openxmlformats.org/officeDocument/2006/relationships" xmlns:p="http://schemas.openxmlformats.org/presentationml/2006/main">
+  <p:cSld>
+    <p:spTree>
+      <p:nvGrpSpPr>
+        <p:cNvPr id="1" name=""/>
+        <p:cNvGrpSpPr/>
+        <p:nvPr/>
+      </p:nvGrpSpPr>
+      <p:grpSpPr>
+        <a:xfrm>
+          <a:off x="0" y="0"/>
+          <a:ext cx="0" cy="0"/>
+          <a:chOff x="0" y="0"/>
+          <a:chExt cx="0" cy="0"/>
+        </a:xfrm>
+      </p:grpSpPr>
+      <p:pic>
+        <p:nvPicPr>
           <p:cNvPr id="29" name="Grafik 28"/>
           <p:cNvPicPr>
             <a:picLocks noChangeAspect="1"/>
@@ -3046,9 +3540,6 @@
               </a:rPr>
               <a:t>MRI</a:t>
             </a:r>
-            <a:endParaRPr lang="en-US" sz="800" dirty="0">
-              <a:latin typeface="Helvetica" pitchFamily="2" charset="0"/>
-            </a:endParaRPr>
           </a:p>
         </p:txBody>
       </p:sp>
@@ -3206,9 +3697,6 @@
                 </a:rPr>
                 <a:t>Female</a:t>
               </a:r>
-              <a:endParaRPr lang="en-US" sz="800" dirty="0">
-                <a:latin typeface="Helvetica" pitchFamily="2" charset="0"/>
-              </a:endParaRPr>
             </a:p>
           </p:txBody>
         </p:sp>
@@ -3247,9 +3735,6 @@
                 </a:rPr>
                 <a:t>Sex</a:t>
               </a:r>
-              <a:endParaRPr lang="en-US" sz="800" dirty="0">
-                <a:latin typeface="Helvetica" pitchFamily="2" charset="0"/>
-              </a:endParaRPr>
             </a:p>
           </p:txBody>
         </p:sp>
@@ -3458,9 +3943,6 @@
               </a:rPr>
               <a:t>Modality</a:t>
             </a:r>
-            <a:endParaRPr lang="en-US" sz="800" dirty="0">
-              <a:latin typeface="Helvetica" pitchFamily="2" charset="0"/>
-            </a:endParaRPr>
           </a:p>
         </p:txBody>
       </p:sp>
@@ -3535,11 +4017,6 @@
               </a:rPr>
               <a:t>MCI</a:t>
             </a:r>
-            <a:endParaRPr lang="en-US" sz="1200" b="1" dirty="0">
-              <a:solidFill>
-                <a:srgbClr val="E0E0E0"/>
-              </a:solidFill>
-            </a:endParaRPr>
           </a:p>
         </p:txBody>
       </p:sp>
@@ -3629,9 +4106,6 @@
               </a:rPr>
               <a:t>BPAD [years]</a:t>
             </a:r>
-            <a:endParaRPr lang="en-US" sz="800" dirty="0">
-              <a:latin typeface="Helvetica" pitchFamily="2" charset="0"/>
-            </a:endParaRPr>
           </a:p>
         </p:txBody>
       </p:sp>
@@ -3657,6 +4131,15 @@
           </a:bodyPr>
           <a:lstStyle/>
           <a:p>
+            <a:r>
+              <a:rPr lang="el-GR" sz="800" dirty="0">
+                <a:solidFill>
+                  <a:srgbClr val="32A1A1"/>
+                </a:solidFill>
+                <a:latin typeface="Helvetica" pitchFamily="2" charset="0"/>
+              </a:rPr>
+              <a:t>ρ</a:t>
+            </a:r>
             <a:r>
               <a:rPr lang="de-DE" sz="800" dirty="0" smtClean="0">
                 <a:solidFill>
@@ -3664,10 +4147,19 @@
                 </a:solidFill>
                 <a:latin typeface="Helvetica" pitchFamily="2" charset="0"/>
               </a:rPr>
-              <a:t>r = -.391**</a:t>
-            </a:r>
-          </a:p>
-          <a:p>
+              <a:t> = -.391**</a:t>
+            </a:r>
+          </a:p>
+          <a:p>
+            <a:r>
+              <a:rPr lang="el-GR" sz="800" dirty="0">
+                <a:solidFill>
+                  <a:srgbClr val="FF7643"/>
+                </a:solidFill>
+                <a:latin typeface="Helvetica" pitchFamily="2" charset="0"/>
+              </a:rPr>
+              <a:t>ρ</a:t>
+            </a:r>
             <a:r>
               <a:rPr lang="de-DE" sz="800" dirty="0" smtClean="0">
                 <a:solidFill>
@@ -3675,7 +4167,7 @@
                 </a:solidFill>
                 <a:latin typeface="Helvetica" pitchFamily="2" charset="0"/>
               </a:rPr>
-              <a:t>r = -.208**</a:t>
+              <a:t> = -.208**</a:t>
             </a:r>
             <a:endParaRPr lang="en-US" sz="800" dirty="0">
               <a:solidFill>
@@ -3699,7 +4191,1086 @@
 </p:sld>
 </file>
 
-<file path=ppt/slides/slide2.xml><?xml version="1.0" encoding="utf-8"?>
+<file path=ppt/slides/slide3.xml><?xml version="1.0" encoding="utf-8"?>
+<p:sld xmlns:a="http://schemas.openxmlformats.org/drawingml/2006/main" xmlns:r="http://schemas.openxmlformats.org/officeDocument/2006/relationships" xmlns:p="http://schemas.openxmlformats.org/presentationml/2006/main">
+  <p:cSld>
+    <p:spTree>
+      <p:nvGrpSpPr>
+        <p:cNvPr id="1" name=""/>
+        <p:cNvGrpSpPr/>
+        <p:nvPr/>
+      </p:nvGrpSpPr>
+      <p:grpSpPr>
+        <a:xfrm>
+          <a:off x="0" y="0"/>
+          <a:ext cx="0" cy="0"/>
+          <a:chOff x="0" y="0"/>
+          <a:chExt cx="0" cy="0"/>
+        </a:xfrm>
+      </p:grpSpPr>
+      <p:pic>
+        <p:nvPicPr>
+          <p:cNvPr id="2" name="Grafik 1"/>
+          <p:cNvPicPr>
+            <a:picLocks noChangeAspect="1"/>
+          </p:cNvPicPr>
+          <p:nvPr/>
+        </p:nvPicPr>
+        <p:blipFill>
+          <a:blip r:embed="rId2" cstate="print">
+            <a:extLst>
+              <a:ext uri="{28A0092B-C50C-407E-A947-70E740481C1C}">
+                <a14:useLocalDpi xmlns:a14="http://schemas.microsoft.com/office/drawing/2010/main" val="0"/>
+              </a:ext>
+            </a:extLst>
+          </a:blip>
+          <a:stretch>
+            <a:fillRect/>
+          </a:stretch>
+        </p:blipFill>
+        <p:spPr>
+          <a:xfrm>
+            <a:off x="310742" y="2714103"/>
+            <a:ext cx="3386661" cy="3386661"/>
+          </a:xfrm>
+          <a:prstGeom prst="rect">
+            <a:avLst/>
+          </a:prstGeom>
+        </p:spPr>
+      </p:pic>
+      <p:pic>
+        <p:nvPicPr>
+          <p:cNvPr id="3" name="Grafik 2"/>
+          <p:cNvPicPr>
+            <a:picLocks noChangeAspect="1"/>
+          </p:cNvPicPr>
+          <p:nvPr/>
+        </p:nvPicPr>
+        <p:blipFill rotWithShape="1">
+          <a:blip r:embed="rId3" cstate="print">
+            <a:extLst>
+              <a:ext uri="{28A0092B-C50C-407E-A947-70E740481C1C}">
+                <a14:useLocalDpi xmlns:a14="http://schemas.microsoft.com/office/drawing/2010/main" val="0"/>
+              </a:ext>
+            </a:extLst>
+          </a:blip>
+          <a:srcRect r="17948"/>
+          <a:stretch/>
+        </p:blipFill>
+        <p:spPr>
+          <a:xfrm>
+            <a:off x="3134617" y="2708802"/>
+            <a:ext cx="2788364" cy="3398305"/>
+          </a:xfrm>
+          <a:prstGeom prst="rect">
+            <a:avLst/>
+          </a:prstGeom>
+        </p:spPr>
+      </p:pic>
+      <p:sp>
+        <p:nvSpPr>
+          <p:cNvPr id="4" name="Rechteck 3"/>
+          <p:cNvSpPr/>
+          <p:nvPr/>
+        </p:nvSpPr>
+        <p:spPr>
+          <a:xfrm>
+            <a:off x="986282" y="5999722"/>
+            <a:ext cx="1224895" cy="141031"/>
+          </a:xfrm>
+          <a:prstGeom prst="rect">
+            <a:avLst/>
+          </a:prstGeom>
+          <a:solidFill>
+            <a:schemeClr val="bg1"/>
+          </a:solidFill>
+          <a:ln>
+            <a:noFill/>
+          </a:ln>
+        </p:spPr>
+        <p:style>
+          <a:lnRef idx="2">
+            <a:schemeClr val="accent1">
+              <a:shade val="50000"/>
+            </a:schemeClr>
+          </a:lnRef>
+          <a:fillRef idx="1">
+            <a:schemeClr val="accent1"/>
+          </a:fillRef>
+          <a:effectRef idx="0">
+            <a:schemeClr val="accent1"/>
+          </a:effectRef>
+          <a:fontRef idx="minor">
+            <a:schemeClr val="lt1"/>
+          </a:fontRef>
+        </p:style>
+        <p:txBody>
+          <a:bodyPr rot="0" spcFirstLastPara="0" vertOverflow="overflow" horzOverflow="overflow" vert="horz" wrap="square" lIns="51435" tIns="25718" rIns="51435" bIns="25718" numCol="1" spcCol="0" rtlCol="0" fromWordArt="0" anchor="ctr" anchorCtr="0" forceAA="0" compatLnSpc="1">
+            <a:prstTxWarp prst="textNoShape">
+              <a:avLst/>
+            </a:prstTxWarp>
+            <a:noAutofit/>
+          </a:bodyPr>
+          <a:lstStyle/>
+          <a:p>
+            <a:pPr algn="ctr"/>
+            <a:endParaRPr lang="en-US" sz="1013"/>
+          </a:p>
+        </p:txBody>
+      </p:sp>
+      <p:sp>
+        <p:nvSpPr>
+          <p:cNvPr id="5" name="Textfeld 4"/>
+          <p:cNvSpPr txBox="1"/>
+          <p:nvPr/>
+        </p:nvSpPr>
+        <p:spPr>
+          <a:xfrm>
+            <a:off x="495424" y="5905896"/>
+            <a:ext cx="2623580" cy="194925"/>
+          </a:xfrm>
+          <a:prstGeom prst="rect">
+            <a:avLst/>
+          </a:prstGeom>
+          <a:solidFill>
+            <a:schemeClr val="bg1"/>
+          </a:solidFill>
+        </p:spPr>
+        <p:txBody>
+          <a:bodyPr wrap="square" rtlCol="0">
+            <a:spAutoFit/>
+          </a:bodyPr>
+          <a:lstStyle/>
+          <a:p>
+            <a:pPr algn="ctr">
+              <a:lnSpc>
+                <a:spcPts val="844"/>
+              </a:lnSpc>
+            </a:pPr>
+            <a:r>
+              <a:rPr lang="en-US" sz="675" dirty="0">
+                <a:latin typeface="Helvetica" pitchFamily="2" charset="0"/>
+              </a:rPr>
+              <a:t>BPAD [years]</a:t>
+            </a:r>
+          </a:p>
+        </p:txBody>
+      </p:sp>
+      <p:sp>
+        <p:nvSpPr>
+          <p:cNvPr id="6" name="Rechteck 5"/>
+          <p:cNvSpPr/>
+          <p:nvPr/>
+        </p:nvSpPr>
+        <p:spPr>
+          <a:xfrm>
+            <a:off x="4146355" y="5954432"/>
+            <a:ext cx="1224895" cy="141031"/>
+          </a:xfrm>
+          <a:prstGeom prst="rect">
+            <a:avLst/>
+          </a:prstGeom>
+          <a:solidFill>
+            <a:schemeClr val="bg1"/>
+          </a:solidFill>
+          <a:ln>
+            <a:noFill/>
+          </a:ln>
+        </p:spPr>
+        <p:style>
+          <a:lnRef idx="2">
+            <a:schemeClr val="accent1">
+              <a:shade val="50000"/>
+            </a:schemeClr>
+          </a:lnRef>
+          <a:fillRef idx="1">
+            <a:schemeClr val="accent1"/>
+          </a:fillRef>
+          <a:effectRef idx="0">
+            <a:schemeClr val="accent1"/>
+          </a:effectRef>
+          <a:fontRef idx="minor">
+            <a:schemeClr val="lt1"/>
+          </a:fontRef>
+        </p:style>
+        <p:txBody>
+          <a:bodyPr rot="0" spcFirstLastPara="0" vertOverflow="overflow" horzOverflow="overflow" vert="horz" wrap="square" lIns="51435" tIns="25718" rIns="51435" bIns="25718" numCol="1" spcCol="0" rtlCol="0" fromWordArt="0" anchor="ctr" anchorCtr="0" forceAA="0" compatLnSpc="1">
+            <a:prstTxWarp prst="textNoShape">
+              <a:avLst/>
+            </a:prstTxWarp>
+            <a:noAutofit/>
+          </a:bodyPr>
+          <a:lstStyle/>
+          <a:p>
+            <a:pPr algn="ctr"/>
+            <a:endParaRPr lang="en-US" sz="1013"/>
+          </a:p>
+        </p:txBody>
+      </p:sp>
+      <p:sp>
+        <p:nvSpPr>
+          <p:cNvPr id="7" name="Textfeld 6"/>
+          <p:cNvSpPr txBox="1"/>
+          <p:nvPr/>
+        </p:nvSpPr>
+        <p:spPr>
+          <a:xfrm>
+            <a:off x="3326009" y="5907056"/>
+            <a:ext cx="2585348" cy="194925"/>
+          </a:xfrm>
+          <a:prstGeom prst="rect">
+            <a:avLst/>
+          </a:prstGeom>
+          <a:solidFill>
+            <a:schemeClr val="bg1"/>
+          </a:solidFill>
+        </p:spPr>
+        <p:txBody>
+          <a:bodyPr wrap="square" rtlCol="0">
+            <a:spAutoFit/>
+          </a:bodyPr>
+          <a:lstStyle/>
+          <a:p>
+            <a:pPr algn="ctr">
+              <a:lnSpc>
+                <a:spcPts val="844"/>
+              </a:lnSpc>
+            </a:pPr>
+            <a:r>
+              <a:rPr lang="en-US" sz="675" dirty="0">
+                <a:latin typeface="Helvetica" pitchFamily="2" charset="0"/>
+              </a:rPr>
+              <a:t>BPAD [years]</a:t>
+            </a:r>
+          </a:p>
+        </p:txBody>
+      </p:sp>
+      <p:sp>
+        <p:nvSpPr>
+          <p:cNvPr id="8" name="Textfeld 7"/>
+          <p:cNvSpPr txBox="1"/>
+          <p:nvPr/>
+        </p:nvSpPr>
+        <p:spPr>
+          <a:xfrm rot="16200000">
+            <a:off x="-1188528" y="4154814"/>
+            <a:ext cx="3076346" cy="194925"/>
+          </a:xfrm>
+          <a:prstGeom prst="rect">
+            <a:avLst/>
+          </a:prstGeom>
+          <a:solidFill>
+            <a:schemeClr val="bg1"/>
+          </a:solidFill>
+        </p:spPr>
+        <p:txBody>
+          <a:bodyPr wrap="square" rtlCol="0">
+            <a:spAutoFit/>
+          </a:bodyPr>
+          <a:lstStyle/>
+          <a:p>
+            <a:pPr algn="ctr">
+              <a:lnSpc>
+                <a:spcPts val="844"/>
+              </a:lnSpc>
+            </a:pPr>
+            <a:r>
+              <a:rPr lang="de-DE" sz="675" dirty="0">
+                <a:latin typeface="Helvetica" pitchFamily="2" charset="0"/>
+              </a:rPr>
+              <a:t>ADNI_EF</a:t>
+            </a:r>
+            <a:endParaRPr lang="en-US" sz="675" baseline="-25000" dirty="0">
+              <a:latin typeface="Helvetica" pitchFamily="2" charset="0"/>
+            </a:endParaRPr>
+          </a:p>
+        </p:txBody>
+      </p:sp>
+      <p:sp>
+        <p:nvSpPr>
+          <p:cNvPr id="9" name="Textfeld 8"/>
+          <p:cNvSpPr txBox="1"/>
+          <p:nvPr/>
+        </p:nvSpPr>
+        <p:spPr>
+          <a:xfrm rot="16200000">
+            <a:off x="1629007" y="4154817"/>
+            <a:ext cx="3076346" cy="194925"/>
+          </a:xfrm>
+          <a:prstGeom prst="rect">
+            <a:avLst/>
+          </a:prstGeom>
+          <a:solidFill>
+            <a:schemeClr val="bg1"/>
+          </a:solidFill>
+        </p:spPr>
+        <p:txBody>
+          <a:bodyPr wrap="square" rtlCol="0">
+            <a:spAutoFit/>
+          </a:bodyPr>
+          <a:lstStyle/>
+          <a:p>
+            <a:pPr algn="ctr">
+              <a:lnSpc>
+                <a:spcPts val="844"/>
+              </a:lnSpc>
+            </a:pPr>
+            <a:r>
+              <a:rPr lang="de-DE" sz="675" dirty="0">
+                <a:latin typeface="Helvetica" pitchFamily="2" charset="0"/>
+              </a:rPr>
+              <a:t>ADNI_EF</a:t>
+            </a:r>
+            <a:endParaRPr lang="en-US" sz="675" baseline="-25000" dirty="0">
+              <a:latin typeface="Helvetica" pitchFamily="2" charset="0"/>
+            </a:endParaRPr>
+          </a:p>
+        </p:txBody>
+      </p:sp>
+      <p:sp>
+        <p:nvSpPr>
+          <p:cNvPr id="10" name="Textfeld 9"/>
+          <p:cNvSpPr txBox="1"/>
+          <p:nvPr/>
+        </p:nvSpPr>
+        <p:spPr>
+          <a:xfrm>
+            <a:off x="3738195" y="6086911"/>
+            <a:ext cx="709113" cy="297517"/>
+          </a:xfrm>
+          <a:prstGeom prst="rect">
+            <a:avLst/>
+          </a:prstGeom>
+          <a:solidFill>
+            <a:schemeClr val="bg1"/>
+          </a:solidFill>
+        </p:spPr>
+        <p:txBody>
+          <a:bodyPr wrap="square" rtlCol="0">
+            <a:spAutoFit/>
+          </a:bodyPr>
+          <a:lstStyle/>
+          <a:p>
+            <a:pPr>
+              <a:lnSpc>
+                <a:spcPts val="844"/>
+              </a:lnSpc>
+            </a:pPr>
+            <a:r>
+              <a:rPr lang="en-US" sz="675" dirty="0">
+                <a:latin typeface="Helvetica" pitchFamily="2" charset="0"/>
+              </a:rPr>
+              <a:t>FDG-PET</a:t>
+            </a:r>
+          </a:p>
+          <a:p>
+            <a:pPr>
+              <a:lnSpc>
+                <a:spcPts val="844"/>
+              </a:lnSpc>
+            </a:pPr>
+            <a:r>
+              <a:rPr lang="en-US" sz="675" dirty="0">
+                <a:latin typeface="Helvetica" pitchFamily="2" charset="0"/>
+              </a:rPr>
+              <a:t>MRI</a:t>
+            </a:r>
+          </a:p>
+        </p:txBody>
+      </p:sp>
+      <p:sp>
+        <p:nvSpPr>
+          <p:cNvPr id="11" name="Rechteck 10"/>
+          <p:cNvSpPr/>
+          <p:nvPr/>
+        </p:nvSpPr>
+        <p:spPr>
+          <a:xfrm>
+            <a:off x="3605967" y="6141411"/>
+            <a:ext cx="155517" cy="78516"/>
+          </a:xfrm>
+          <a:prstGeom prst="rect">
+            <a:avLst/>
+          </a:prstGeom>
+          <a:solidFill>
+            <a:srgbClr val="FFD9CB"/>
+          </a:solidFill>
+          <a:ln>
+            <a:noFill/>
+          </a:ln>
+        </p:spPr>
+        <p:style>
+          <a:lnRef idx="2">
+            <a:schemeClr val="accent1">
+              <a:shade val="50000"/>
+            </a:schemeClr>
+          </a:lnRef>
+          <a:fillRef idx="1">
+            <a:schemeClr val="accent1"/>
+          </a:fillRef>
+          <a:effectRef idx="0">
+            <a:schemeClr val="accent1"/>
+          </a:effectRef>
+          <a:fontRef idx="minor">
+            <a:schemeClr val="lt1"/>
+          </a:fontRef>
+        </p:style>
+        <p:txBody>
+          <a:bodyPr rtlCol="0" anchor="ctr"/>
+          <a:lstStyle/>
+          <a:p>
+            <a:pPr algn="ctr"/>
+            <a:endParaRPr lang="en-US" sz="1013"/>
+          </a:p>
+        </p:txBody>
+      </p:sp>
+      <p:sp>
+        <p:nvSpPr>
+          <p:cNvPr id="12" name="Rechteck 11"/>
+          <p:cNvSpPr/>
+          <p:nvPr/>
+        </p:nvSpPr>
+        <p:spPr>
+          <a:xfrm>
+            <a:off x="3605967" y="6245489"/>
+            <a:ext cx="155517" cy="78516"/>
+          </a:xfrm>
+          <a:prstGeom prst="rect">
+            <a:avLst/>
+          </a:prstGeom>
+          <a:solidFill>
+            <a:srgbClr val="CCE8E8"/>
+          </a:solidFill>
+          <a:ln>
+            <a:noFill/>
+          </a:ln>
+        </p:spPr>
+        <p:style>
+          <a:lnRef idx="2">
+            <a:schemeClr val="accent1">
+              <a:shade val="50000"/>
+            </a:schemeClr>
+          </a:lnRef>
+          <a:fillRef idx="1">
+            <a:schemeClr val="accent1"/>
+          </a:fillRef>
+          <a:effectRef idx="0">
+            <a:schemeClr val="accent1"/>
+          </a:effectRef>
+          <a:fontRef idx="minor">
+            <a:schemeClr val="lt1"/>
+          </a:fontRef>
+        </p:style>
+        <p:txBody>
+          <a:bodyPr rtlCol="0" anchor="ctr"/>
+          <a:lstStyle/>
+          <a:p>
+            <a:pPr algn="ctr"/>
+            <a:endParaRPr lang="en-US" sz="1013"/>
+          </a:p>
+        </p:txBody>
+      </p:sp>
+      <p:grpSp>
+        <p:nvGrpSpPr>
+          <p:cNvPr id="13" name="Gruppieren 12"/>
+          <p:cNvGrpSpPr/>
+          <p:nvPr/>
+        </p:nvGrpSpPr>
+        <p:grpSpPr>
+          <a:xfrm>
+            <a:off x="1894637" y="6074674"/>
+            <a:ext cx="1153916" cy="297517"/>
+            <a:chOff x="3400523" y="6203531"/>
+            <a:chExt cx="2051406" cy="528918"/>
+          </a:xfrm>
+        </p:grpSpPr>
+        <p:sp>
+          <p:nvSpPr>
+            <p:cNvPr id="14" name="Textfeld 13"/>
+            <p:cNvSpPr txBox="1"/>
+            <p:nvPr/>
+          </p:nvSpPr>
+          <p:spPr>
+            <a:xfrm>
+              <a:off x="4556750" y="6203531"/>
+              <a:ext cx="895179" cy="528918"/>
+            </a:xfrm>
+            <a:prstGeom prst="rect">
+              <a:avLst/>
+            </a:prstGeom>
+            <a:solidFill>
+              <a:schemeClr val="bg1"/>
+            </a:solidFill>
+          </p:spPr>
+          <p:txBody>
+            <a:bodyPr wrap="square" rtlCol="0">
+              <a:spAutoFit/>
+            </a:bodyPr>
+            <a:lstStyle/>
+            <a:p>
+              <a:pPr>
+                <a:lnSpc>
+                  <a:spcPts val="844"/>
+                </a:lnSpc>
+              </a:pPr>
+              <a:r>
+                <a:rPr lang="en-US" sz="675" dirty="0">
+                  <a:latin typeface="Helvetica" pitchFamily="2" charset="0"/>
+                </a:rPr>
+                <a:t>Male</a:t>
+              </a:r>
+            </a:p>
+            <a:p>
+              <a:pPr>
+                <a:lnSpc>
+                  <a:spcPts val="844"/>
+                </a:lnSpc>
+              </a:pPr>
+              <a:r>
+                <a:rPr lang="en-US" sz="675" dirty="0">
+                  <a:latin typeface="Helvetica" pitchFamily="2" charset="0"/>
+                </a:rPr>
+                <a:t>Female</a:t>
+              </a:r>
+            </a:p>
+          </p:txBody>
+        </p:sp>
+        <p:sp>
+          <p:nvSpPr>
+            <p:cNvPr id="15" name="Textfeld 14"/>
+            <p:cNvSpPr txBox="1"/>
+            <p:nvPr/>
+          </p:nvSpPr>
+          <p:spPr>
+            <a:xfrm>
+              <a:off x="3400523" y="6311564"/>
+              <a:ext cx="1073196" cy="369331"/>
+            </a:xfrm>
+            <a:prstGeom prst="rect">
+              <a:avLst/>
+            </a:prstGeom>
+            <a:solidFill>
+              <a:schemeClr val="bg1"/>
+            </a:solidFill>
+          </p:spPr>
+          <p:txBody>
+            <a:bodyPr wrap="square" rtlCol="0">
+              <a:spAutoFit/>
+            </a:bodyPr>
+            <a:lstStyle/>
+            <a:p>
+              <a:pPr algn="r">
+                <a:lnSpc>
+                  <a:spcPts val="900"/>
+                </a:lnSpc>
+              </a:pPr>
+              <a:r>
+                <a:rPr lang="en-US" sz="675" dirty="0">
+                  <a:latin typeface="Helvetica" pitchFamily="2" charset="0"/>
+                </a:rPr>
+                <a:t>Sex</a:t>
+              </a:r>
+            </a:p>
+          </p:txBody>
+        </p:sp>
+      </p:grpSp>
+      <p:pic>
+        <p:nvPicPr>
+          <p:cNvPr id="16" name="Grafik 15"/>
+          <p:cNvPicPr>
+            <a:picLocks noChangeAspect="1"/>
+          </p:cNvPicPr>
+          <p:nvPr/>
+        </p:nvPicPr>
+        <p:blipFill rotWithShape="1">
+          <a:blip r:embed="rId4" cstate="print">
+            <a:extLst>
+              <a:ext uri="{28A0092B-C50C-407E-A947-70E740481C1C}">
+                <a14:useLocalDpi xmlns:a14="http://schemas.microsoft.com/office/drawing/2010/main" val="0"/>
+              </a:ext>
+            </a:extLst>
+          </a:blip>
+          <a:srcRect l="83389" t="44538" r="14837" b="48174"/>
+          <a:stretch/>
+        </p:blipFill>
+        <p:spPr>
+          <a:xfrm>
+            <a:off x="2490790" y="6081847"/>
+            <a:ext cx="88106" cy="361819"/>
+          </a:xfrm>
+          <a:prstGeom prst="rect">
+            <a:avLst/>
+          </a:prstGeom>
+        </p:spPr>
+      </p:pic>
+      <p:cxnSp>
+        <p:nvCxnSpPr>
+          <p:cNvPr id="17" name="Gerader Verbinder 16"/>
+          <p:cNvCxnSpPr/>
+          <p:nvPr/>
+        </p:nvCxnSpPr>
+        <p:spPr>
+          <a:xfrm flipH="1" flipV="1">
+            <a:off x="3690354" y="6180790"/>
+            <a:ext cx="71131" cy="83"/>
+          </a:xfrm>
+          <a:prstGeom prst="line">
+            <a:avLst/>
+          </a:prstGeom>
+          <a:ln w="28575">
+            <a:solidFill>
+              <a:srgbClr val="FF7643"/>
+            </a:solidFill>
+          </a:ln>
+        </p:spPr>
+        <p:style>
+          <a:lnRef idx="1">
+            <a:schemeClr val="accent1"/>
+          </a:lnRef>
+          <a:fillRef idx="0">
+            <a:schemeClr val="accent1"/>
+          </a:fillRef>
+          <a:effectRef idx="0">
+            <a:schemeClr val="accent1"/>
+          </a:effectRef>
+          <a:fontRef idx="minor">
+            <a:schemeClr val="tx1"/>
+          </a:fontRef>
+        </p:style>
+      </p:cxnSp>
+      <p:cxnSp>
+        <p:nvCxnSpPr>
+          <p:cNvPr id="18" name="Gerader Verbinder 17"/>
+          <p:cNvCxnSpPr/>
+          <p:nvPr/>
+        </p:nvCxnSpPr>
+        <p:spPr>
+          <a:xfrm>
+            <a:off x="3625255" y="6180669"/>
+            <a:ext cx="19268" cy="120"/>
+          </a:xfrm>
+          <a:prstGeom prst="line">
+            <a:avLst/>
+          </a:prstGeom>
+          <a:ln w="28575">
+            <a:solidFill>
+              <a:srgbClr val="FF7643"/>
+            </a:solidFill>
+          </a:ln>
+        </p:spPr>
+        <p:style>
+          <a:lnRef idx="1">
+            <a:schemeClr val="accent1"/>
+          </a:lnRef>
+          <a:fillRef idx="0">
+            <a:schemeClr val="accent1"/>
+          </a:fillRef>
+          <a:effectRef idx="0">
+            <a:schemeClr val="accent1"/>
+          </a:effectRef>
+          <a:fontRef idx="minor">
+            <a:schemeClr val="tx1"/>
+          </a:fontRef>
+        </p:style>
+      </p:cxnSp>
+      <p:cxnSp>
+        <p:nvCxnSpPr>
+          <p:cNvPr id="19" name="Gerader Verbinder 18"/>
+          <p:cNvCxnSpPr/>
+          <p:nvPr/>
+        </p:nvCxnSpPr>
+        <p:spPr>
+          <a:xfrm flipH="1" flipV="1">
+            <a:off x="3689915" y="6285804"/>
+            <a:ext cx="71131" cy="83"/>
+          </a:xfrm>
+          <a:prstGeom prst="line">
+            <a:avLst/>
+          </a:prstGeom>
+          <a:ln w="28575">
+            <a:solidFill>
+              <a:srgbClr val="008B8B"/>
+            </a:solidFill>
+          </a:ln>
+        </p:spPr>
+        <p:style>
+          <a:lnRef idx="1">
+            <a:schemeClr val="accent1"/>
+          </a:lnRef>
+          <a:fillRef idx="0">
+            <a:schemeClr val="accent1"/>
+          </a:fillRef>
+          <a:effectRef idx="0">
+            <a:schemeClr val="accent1"/>
+          </a:effectRef>
+          <a:fontRef idx="minor">
+            <a:schemeClr val="tx1"/>
+          </a:fontRef>
+        </p:style>
+      </p:cxnSp>
+      <p:cxnSp>
+        <p:nvCxnSpPr>
+          <p:cNvPr id="20" name="Gerader Verbinder 19"/>
+          <p:cNvCxnSpPr/>
+          <p:nvPr/>
+        </p:nvCxnSpPr>
+        <p:spPr>
+          <a:xfrm>
+            <a:off x="3624817" y="6285683"/>
+            <a:ext cx="19268" cy="120"/>
+          </a:xfrm>
+          <a:prstGeom prst="line">
+            <a:avLst/>
+          </a:prstGeom>
+          <a:ln w="28575">
+            <a:solidFill>
+              <a:srgbClr val="008B8B"/>
+            </a:solidFill>
+          </a:ln>
+        </p:spPr>
+        <p:style>
+          <a:lnRef idx="1">
+            <a:schemeClr val="accent1"/>
+          </a:lnRef>
+          <a:fillRef idx="0">
+            <a:schemeClr val="accent1"/>
+          </a:fillRef>
+          <a:effectRef idx="0">
+            <a:schemeClr val="accent1"/>
+          </a:effectRef>
+          <a:fontRef idx="minor">
+            <a:schemeClr val="tx1"/>
+          </a:fontRef>
+        </p:style>
+      </p:cxnSp>
+      <p:sp>
+        <p:nvSpPr>
+          <p:cNvPr id="21" name="Textfeld 20"/>
+          <p:cNvSpPr txBox="1"/>
+          <p:nvPr/>
+        </p:nvSpPr>
+        <p:spPr>
+          <a:xfrm>
+            <a:off x="2975312" y="6140751"/>
+            <a:ext cx="603674" cy="207749"/>
+          </a:xfrm>
+          <a:prstGeom prst="rect">
+            <a:avLst/>
+          </a:prstGeom>
+          <a:solidFill>
+            <a:schemeClr val="bg1"/>
+          </a:solidFill>
+        </p:spPr>
+        <p:txBody>
+          <a:bodyPr wrap="square" rtlCol="0">
+            <a:spAutoFit/>
+          </a:bodyPr>
+          <a:lstStyle/>
+          <a:p>
+            <a:pPr algn="r">
+              <a:lnSpc>
+                <a:spcPts val="900"/>
+              </a:lnSpc>
+            </a:pPr>
+            <a:r>
+              <a:rPr lang="en-US" sz="675" dirty="0">
+                <a:latin typeface="Helvetica" pitchFamily="2" charset="0"/>
+              </a:rPr>
+              <a:t>Modality</a:t>
+            </a:r>
+          </a:p>
+        </p:txBody>
+      </p:sp>
+      <p:sp>
+        <p:nvSpPr>
+          <p:cNvPr id="22" name="Textfeld 21"/>
+          <p:cNvSpPr txBox="1"/>
+          <p:nvPr/>
+        </p:nvSpPr>
+        <p:spPr>
+          <a:xfrm>
+            <a:off x="541927" y="5500681"/>
+            <a:ext cx="918482" cy="300082"/>
+          </a:xfrm>
+          <a:prstGeom prst="rect">
+            <a:avLst/>
+          </a:prstGeom>
+          <a:noFill/>
+        </p:spPr>
+        <p:txBody>
+          <a:bodyPr wrap="square" rtlCol="0">
+            <a:spAutoFit/>
+          </a:bodyPr>
+          <a:lstStyle/>
+          <a:p>
+            <a:r>
+              <a:rPr lang="en-US" sz="1350" b="1" dirty="0">
+                <a:solidFill>
+                  <a:srgbClr val="E0E0E0"/>
+                </a:solidFill>
+              </a:rPr>
+              <a:t>CN</a:t>
+            </a:r>
+          </a:p>
+        </p:txBody>
+      </p:sp>
+      <p:sp>
+        <p:nvSpPr>
+          <p:cNvPr id="23" name="Textfeld 22"/>
+          <p:cNvSpPr txBox="1"/>
+          <p:nvPr/>
+        </p:nvSpPr>
+        <p:spPr>
+          <a:xfrm>
+            <a:off x="3335614" y="5500681"/>
+            <a:ext cx="918482" cy="300082"/>
+          </a:xfrm>
+          <a:prstGeom prst="rect">
+            <a:avLst/>
+          </a:prstGeom>
+          <a:noFill/>
+        </p:spPr>
+        <p:txBody>
+          <a:bodyPr wrap="square" rtlCol="0">
+            <a:spAutoFit/>
+          </a:bodyPr>
+          <a:lstStyle/>
+          <a:p>
+            <a:r>
+              <a:rPr lang="en-US" sz="1350" b="1" dirty="0">
+                <a:solidFill>
+                  <a:srgbClr val="E0E0E0"/>
+                </a:solidFill>
+              </a:rPr>
+              <a:t>MCI</a:t>
+            </a:r>
+          </a:p>
+        </p:txBody>
+      </p:sp>
+      <p:sp>
+        <p:nvSpPr>
+          <p:cNvPr id="24" name="Textfeld 23"/>
+          <p:cNvSpPr txBox="1"/>
+          <p:nvPr/>
+        </p:nvSpPr>
+        <p:spPr>
+          <a:xfrm>
+            <a:off x="-34812" y="5884232"/>
+            <a:ext cx="808502" cy="194925"/>
+          </a:xfrm>
+          <a:prstGeom prst="rect">
+            <a:avLst/>
+          </a:prstGeom>
+          <a:noFill/>
+        </p:spPr>
+        <p:txBody>
+          <a:bodyPr wrap="square" rtlCol="0">
+            <a:spAutoFit/>
+          </a:bodyPr>
+          <a:lstStyle/>
+          <a:p>
+            <a:pPr algn="ctr">
+              <a:lnSpc>
+                <a:spcPts val="844"/>
+              </a:lnSpc>
+            </a:pPr>
+            <a:r>
+              <a:rPr lang="en-US" sz="1013" dirty="0">
+                <a:latin typeface="Helvetica" pitchFamily="2" charset="0"/>
+              </a:rPr>
+              <a:t>a)</a:t>
+            </a:r>
+          </a:p>
+        </p:txBody>
+      </p:sp>
+      <p:sp>
+        <p:nvSpPr>
+          <p:cNvPr id="25" name="Textfeld 24"/>
+          <p:cNvSpPr txBox="1"/>
+          <p:nvPr/>
+        </p:nvSpPr>
+        <p:spPr>
+          <a:xfrm>
+            <a:off x="3166773" y="5884233"/>
+            <a:ext cx="665873" cy="194925"/>
+          </a:xfrm>
+          <a:prstGeom prst="rect">
+            <a:avLst/>
+          </a:prstGeom>
+          <a:noFill/>
+        </p:spPr>
+        <p:txBody>
+          <a:bodyPr wrap="square" rtlCol="0">
+            <a:spAutoFit/>
+          </a:bodyPr>
+          <a:lstStyle/>
+          <a:p>
+            <a:pPr algn="ctr">
+              <a:lnSpc>
+                <a:spcPts val="844"/>
+              </a:lnSpc>
+            </a:pPr>
+            <a:r>
+              <a:rPr lang="en-US" sz="1013" dirty="0">
+                <a:latin typeface="Helvetica" pitchFamily="2" charset="0"/>
+              </a:rPr>
+              <a:t>b)</a:t>
+            </a:r>
+          </a:p>
+        </p:txBody>
+      </p:sp>
+      <p:sp>
+        <p:nvSpPr>
+          <p:cNvPr id="26" name="Textfeld 25"/>
+          <p:cNvSpPr txBox="1"/>
+          <p:nvPr/>
+        </p:nvSpPr>
+        <p:spPr>
+          <a:xfrm>
+            <a:off x="2390236" y="5388988"/>
+            <a:ext cx="810135" cy="338554"/>
+          </a:xfrm>
+          <a:prstGeom prst="rect">
+            <a:avLst/>
+          </a:prstGeom>
+          <a:noFill/>
+        </p:spPr>
+        <p:txBody>
+          <a:bodyPr wrap="square" rtlCol="0">
+            <a:spAutoFit/>
+          </a:bodyPr>
+          <a:lstStyle/>
+          <a:p>
+            <a:r>
+              <a:rPr lang="el-GR" sz="800" dirty="0">
+                <a:solidFill>
+                  <a:srgbClr val="32A1A1"/>
+                </a:solidFill>
+                <a:latin typeface="Helvetica" pitchFamily="2" charset="0"/>
+              </a:rPr>
+              <a:t>ρ</a:t>
+            </a:r>
+            <a:r>
+              <a:rPr lang="de-DE" sz="800" dirty="0" smtClean="0">
+                <a:solidFill>
+                  <a:srgbClr val="32A1A1"/>
+                </a:solidFill>
+                <a:latin typeface="Helvetica" pitchFamily="2" charset="0"/>
+              </a:rPr>
+              <a:t> = -.150**</a:t>
+            </a:r>
+          </a:p>
+          <a:p>
+            <a:r>
+              <a:rPr lang="de-DE" sz="800" dirty="0" err="1" smtClean="0">
+                <a:solidFill>
+                  <a:srgbClr val="FF7643"/>
+                </a:solidFill>
+                <a:latin typeface="Helvetica" pitchFamily="2" charset="0"/>
+              </a:rPr>
+              <a:t>ns</a:t>
+            </a:r>
+            <a:endParaRPr lang="en-US" sz="800" dirty="0">
+              <a:solidFill>
+                <a:srgbClr val="FF7643"/>
+              </a:solidFill>
+              <a:latin typeface="Helvetica" pitchFamily="2" charset="0"/>
+            </a:endParaRPr>
+          </a:p>
+        </p:txBody>
+      </p:sp>
+      <p:sp>
+        <p:nvSpPr>
+          <p:cNvPr id="27" name="Textfeld 26"/>
+          <p:cNvSpPr txBox="1"/>
+          <p:nvPr/>
+        </p:nvSpPr>
+        <p:spPr>
+          <a:xfrm>
+            <a:off x="5278383" y="5388988"/>
+            <a:ext cx="810135" cy="338554"/>
+          </a:xfrm>
+          <a:prstGeom prst="rect">
+            <a:avLst/>
+          </a:prstGeom>
+          <a:noFill/>
+        </p:spPr>
+        <p:txBody>
+          <a:bodyPr wrap="square" rtlCol="0">
+            <a:spAutoFit/>
+          </a:bodyPr>
+          <a:lstStyle/>
+          <a:p>
+            <a:r>
+              <a:rPr lang="el-GR" sz="800" dirty="0">
+                <a:solidFill>
+                  <a:srgbClr val="32A1A1"/>
+                </a:solidFill>
+                <a:latin typeface="Helvetica" pitchFamily="2" charset="0"/>
+              </a:rPr>
+              <a:t>ρ</a:t>
+            </a:r>
+            <a:r>
+              <a:rPr lang="de-DE" sz="800" dirty="0" smtClean="0">
+                <a:solidFill>
+                  <a:srgbClr val="32A1A1"/>
+                </a:solidFill>
+                <a:latin typeface="Helvetica" pitchFamily="2" charset="0"/>
+              </a:rPr>
+              <a:t> = -.285**</a:t>
+            </a:r>
+          </a:p>
+          <a:p>
+            <a:r>
+              <a:rPr lang="el-GR" sz="800" dirty="0">
+                <a:solidFill>
+                  <a:srgbClr val="FF7643"/>
+                </a:solidFill>
+                <a:latin typeface="Helvetica" pitchFamily="2" charset="0"/>
+              </a:rPr>
+              <a:t>ρ</a:t>
+            </a:r>
+            <a:r>
+              <a:rPr lang="de-DE" sz="800" dirty="0" smtClean="0">
+                <a:solidFill>
+                  <a:srgbClr val="FF7643"/>
+                </a:solidFill>
+                <a:latin typeface="Helvetica" pitchFamily="2" charset="0"/>
+              </a:rPr>
+              <a:t> = </a:t>
+            </a:r>
+            <a:r>
+              <a:rPr lang="de-DE" sz="800" smtClean="0">
+                <a:solidFill>
+                  <a:srgbClr val="FF7643"/>
+                </a:solidFill>
+                <a:latin typeface="Helvetica" pitchFamily="2" charset="0"/>
+              </a:rPr>
+              <a:t>-.246**</a:t>
+            </a:r>
+            <a:endParaRPr lang="en-US" sz="800" dirty="0">
+              <a:solidFill>
+                <a:srgbClr val="FF7643"/>
+              </a:solidFill>
+              <a:latin typeface="Helvetica" pitchFamily="2" charset="0"/>
+            </a:endParaRPr>
+          </a:p>
+        </p:txBody>
+      </p:sp>
+    </p:spTree>
+    <p:extLst>
+      <p:ext uri="{BB962C8B-B14F-4D97-AF65-F5344CB8AC3E}">
+        <p14:creationId xmlns:p14="http://schemas.microsoft.com/office/powerpoint/2010/main" val="1119723483"/>
+      </p:ext>
+    </p:extLst>
+  </p:cSld>
+  <p:clrMapOvr>
+    <a:masterClrMapping/>
+  </p:clrMapOvr>
+</p:sld>
+</file>
+
+<file path=ppt/slides/slide4.xml><?xml version="1.0" encoding="utf-8"?>
 <p:sld xmlns:a="http://schemas.openxmlformats.org/drawingml/2006/main" xmlns:r="http://schemas.openxmlformats.org/officeDocument/2006/relationships" xmlns:p="http://schemas.openxmlformats.org/presentationml/2006/main">
   <p:cSld>
     <p:spTree>
@@ -3794,9 +5365,6 @@
                 </a:rPr>
                 <a:t>BPAD [years]</a:t>
               </a:r>
-              <a:endParaRPr lang="en-US" sz="800" dirty="0">
-                <a:latin typeface="Helvetica" pitchFamily="2" charset="0"/>
-              </a:endParaRPr>
             </a:p>
           </p:txBody>
         </p:sp>
@@ -3924,9 +5492,6 @@
               </a:rPr>
               <a:t>BPAD [years]</a:t>
             </a:r>
-            <a:endParaRPr lang="en-US" sz="800" dirty="0">
-              <a:latin typeface="Helvetica" pitchFamily="2" charset="0"/>
-            </a:endParaRPr>
           </a:p>
         </p:txBody>
       </p:sp>
@@ -4019,11 +5584,6 @@
               </a:rPr>
               <a:t>CN</a:t>
             </a:r>
-            <a:endParaRPr lang="en-US" sz="1200" b="1" dirty="0">
-              <a:solidFill>
-                <a:srgbClr val="E0E0E0"/>
-              </a:solidFill>
-            </a:endParaRPr>
           </a:p>
         </p:txBody>
       </p:sp>
@@ -4057,11 +5617,6 @@
               </a:rPr>
               <a:t>MCI</a:t>
             </a:r>
-            <a:endParaRPr lang="en-US" sz="1200" b="1" dirty="0">
-              <a:solidFill>
-                <a:srgbClr val="E0E0E0"/>
-              </a:solidFill>
-            </a:endParaRPr>
           </a:p>
         </p:txBody>
       </p:sp>
@@ -4098,9 +5653,6 @@
               </a:rPr>
               <a:t>a)</a:t>
             </a:r>
-            <a:endParaRPr lang="en-US" sz="1200" b="1" dirty="0">
-              <a:latin typeface="Helvetica" pitchFamily="2" charset="0"/>
-            </a:endParaRPr>
           </a:p>
         </p:txBody>
       </p:sp>
@@ -4135,17 +5687,8 @@
               <a:rPr lang="en-US" sz="1200" b="1" dirty="0">
                 <a:latin typeface="Helvetica" pitchFamily="2" charset="0"/>
               </a:rPr>
-              <a:t>b</a:t>
-            </a:r>
-            <a:r>
-              <a:rPr lang="en-US" sz="1200" b="1" dirty="0">
-                <a:latin typeface="Helvetica" pitchFamily="2" charset="0"/>
-              </a:rPr>
-              <a:t>)</a:t>
-            </a:r>
-            <a:endParaRPr lang="en-US" sz="1200" b="1" dirty="0">
-              <a:latin typeface="Helvetica" pitchFamily="2" charset="0"/>
-            </a:endParaRPr>
+              <a:t>b)</a:t>
+            </a:r>
           </a:p>
         </p:txBody>
       </p:sp>
@@ -4211,9 +5754,6 @@
                 </a:rPr>
                 <a:t>MRI</a:t>
               </a:r>
-              <a:endParaRPr lang="en-US" sz="800" dirty="0">
-                <a:latin typeface="Helvetica" pitchFamily="2" charset="0"/>
-              </a:endParaRPr>
             </a:p>
           </p:txBody>
         </p:sp>
@@ -4371,9 +5911,6 @@
                   </a:rPr>
                   <a:t>Female</a:t>
                 </a:r>
-                <a:endParaRPr lang="en-US" sz="800" dirty="0">
-                  <a:latin typeface="Helvetica" pitchFamily="2" charset="0"/>
-                </a:endParaRPr>
               </a:p>
             </p:txBody>
           </p:sp>
@@ -4412,9 +5949,6 @@
                   </a:rPr>
                   <a:t>Sex</a:t>
                 </a:r>
-                <a:endParaRPr lang="en-US" sz="800" dirty="0">
-                  <a:latin typeface="Helvetica" pitchFamily="2" charset="0"/>
-                </a:endParaRPr>
               </a:p>
             </p:txBody>
           </p:sp>
@@ -4623,9 +6157,6 @@
                 </a:rPr>
                 <a:t>Modality</a:t>
               </a:r>
-              <a:endParaRPr lang="en-US" sz="800" dirty="0">
-                <a:latin typeface="Helvetica" pitchFamily="2" charset="0"/>
-              </a:endParaRPr>
             </a:p>
           </p:txBody>
         </p:sp>
@@ -4694,9 +6225,6 @@
               </a:rPr>
               <a:t>BPAD [years]</a:t>
             </a:r>
-            <a:endParaRPr lang="en-US" sz="800" dirty="0">
-              <a:latin typeface="Helvetica" pitchFamily="2" charset="0"/>
-            </a:endParaRPr>
           </a:p>
         </p:txBody>
       </p:sp>
@@ -4828,11 +6356,6 @@
               </a:rPr>
               <a:t>MCI</a:t>
             </a:r>
-            <a:endParaRPr lang="en-US" sz="1200" b="1" dirty="0">
-              <a:solidFill>
-                <a:srgbClr val="E0E0E0"/>
-              </a:solidFill>
-            </a:endParaRPr>
           </a:p>
         </p:txBody>
       </p:sp>
@@ -5065,7 +6588,1049 @@
 </p:sld>
 </file>
 
-<file path=ppt/slides/slide3.xml><?xml version="1.0" encoding="utf-8"?>
+<file path=ppt/slides/slide5.xml><?xml version="1.0" encoding="utf-8"?>
+<p:sld xmlns:a="http://schemas.openxmlformats.org/drawingml/2006/main" xmlns:r="http://schemas.openxmlformats.org/officeDocument/2006/relationships" xmlns:p="http://schemas.openxmlformats.org/presentationml/2006/main">
+  <p:cSld>
+    <p:spTree>
+      <p:nvGrpSpPr>
+        <p:cNvPr id="1" name=""/>
+        <p:cNvGrpSpPr/>
+        <p:nvPr/>
+      </p:nvGrpSpPr>
+      <p:grpSpPr>
+        <a:xfrm>
+          <a:off x="0" y="0"/>
+          <a:ext cx="0" cy="0"/>
+          <a:chOff x="0" y="0"/>
+          <a:chExt cx="0" cy="0"/>
+        </a:xfrm>
+      </p:grpSpPr>
+      <p:grpSp>
+        <p:nvGrpSpPr>
+          <p:cNvPr id="13" name="Gruppieren 12"/>
+          <p:cNvGrpSpPr/>
+          <p:nvPr/>
+        </p:nvGrpSpPr>
+        <p:grpSpPr>
+          <a:xfrm>
+            <a:off x="227060" y="1920553"/>
+            <a:ext cx="2845618" cy="3416881"/>
+            <a:chOff x="2859639" y="88902"/>
+            <a:chExt cx="5058876" cy="6074454"/>
+          </a:xfrm>
+        </p:grpSpPr>
+        <p:pic>
+          <p:nvPicPr>
+            <p:cNvPr id="14" name="Grafik 13"/>
+            <p:cNvPicPr>
+              <a:picLocks noChangeAspect="1"/>
+            </p:cNvPicPr>
+            <p:nvPr/>
+          </p:nvPicPr>
+          <p:blipFill rotWithShape="1">
+            <a:blip r:embed="rId2" cstate="print">
+              <a:extLst>
+                <a:ext uri="{28A0092B-C50C-407E-A947-70E740481C1C}">
+                  <a14:useLocalDpi xmlns:a14="http://schemas.microsoft.com/office/drawing/2010/main" val="0"/>
+                </a:ext>
+              </a:extLst>
+            </a:blip>
+            <a:srcRect r="17836"/>
+            <a:stretch/>
+          </p:blipFill>
+          <p:spPr>
+            <a:xfrm>
+              <a:off x="2967980" y="98887"/>
+              <a:ext cx="4950535" cy="6025191"/>
+            </a:xfrm>
+            <a:prstGeom prst="rect">
+              <a:avLst/>
+            </a:prstGeom>
+          </p:spPr>
+        </p:pic>
+        <p:sp>
+          <p:nvSpPr>
+            <p:cNvPr id="15" name="Textfeld 14"/>
+            <p:cNvSpPr txBox="1"/>
+            <p:nvPr/>
+          </p:nvSpPr>
+          <p:spPr>
+            <a:xfrm>
+              <a:off x="3463296" y="5816823"/>
+              <a:ext cx="4397072" cy="346533"/>
+            </a:xfrm>
+            <a:prstGeom prst="rect">
+              <a:avLst/>
+            </a:prstGeom>
+            <a:solidFill>
+              <a:schemeClr val="bg1"/>
+            </a:solidFill>
+          </p:spPr>
+          <p:txBody>
+            <a:bodyPr wrap="square" rtlCol="0">
+              <a:spAutoFit/>
+            </a:bodyPr>
+            <a:lstStyle/>
+            <a:p>
+              <a:pPr algn="ctr">
+                <a:lnSpc>
+                  <a:spcPts val="844"/>
+                </a:lnSpc>
+              </a:pPr>
+              <a:r>
+                <a:rPr lang="en-US" sz="800" dirty="0">
+                  <a:latin typeface="Helvetica" pitchFamily="2" charset="0"/>
+                </a:rPr>
+                <a:t>BPAD [years]</a:t>
+              </a:r>
+            </a:p>
+          </p:txBody>
+        </p:sp>
+        <p:sp>
+          <p:nvSpPr>
+            <p:cNvPr id="16" name="Textfeld 15"/>
+            <p:cNvSpPr txBox="1"/>
+            <p:nvPr/>
+          </p:nvSpPr>
+          <p:spPr>
+            <a:xfrm rot="16200000">
+              <a:off x="298376" y="2650165"/>
+              <a:ext cx="5469059" cy="346533"/>
+            </a:xfrm>
+            <a:prstGeom prst="rect">
+              <a:avLst/>
+            </a:prstGeom>
+            <a:solidFill>
+              <a:schemeClr val="bg1"/>
+            </a:solidFill>
+          </p:spPr>
+          <p:txBody>
+            <a:bodyPr wrap="square" rtlCol="0">
+              <a:spAutoFit/>
+            </a:bodyPr>
+            <a:lstStyle/>
+            <a:p>
+              <a:pPr algn="ctr">
+                <a:lnSpc>
+                  <a:spcPts val="844"/>
+                </a:lnSpc>
+              </a:pPr>
+              <a:r>
+                <a:rPr lang="en-US" sz="800" dirty="0">
+                  <a:latin typeface="Helvetica" pitchFamily="2" charset="0"/>
+                </a:rPr>
+                <a:t>CSF A</a:t>
+              </a:r>
+              <a:r>
+                <a:rPr lang="el-GR" sz="800" dirty="0">
+                  <a:latin typeface="Helvetica" pitchFamily="2" charset="0"/>
+                </a:rPr>
+                <a:t>β</a:t>
+              </a:r>
+              <a:r>
+                <a:rPr lang="de-DE" sz="800" baseline="-25000" dirty="0">
+                  <a:latin typeface="Helvetica" pitchFamily="2" charset="0"/>
+                </a:rPr>
+                <a:t>1-42 </a:t>
+              </a:r>
+              <a:r>
+                <a:rPr lang="de-DE" sz="800" dirty="0">
+                  <a:latin typeface="Helvetica" pitchFamily="2" charset="0"/>
+                </a:rPr>
+                <a:t>[pg/ml]</a:t>
+              </a:r>
+              <a:endParaRPr lang="en-US" sz="800" baseline="-25000" dirty="0">
+                <a:latin typeface="Helvetica" pitchFamily="2" charset="0"/>
+              </a:endParaRPr>
+            </a:p>
+          </p:txBody>
+        </p:sp>
+      </p:grpSp>
+      <p:pic>
+        <p:nvPicPr>
+          <p:cNvPr id="18" name="Grafik 17"/>
+          <p:cNvPicPr>
+            <a:picLocks noChangeAspect="1"/>
+          </p:cNvPicPr>
+          <p:nvPr/>
+        </p:nvPicPr>
+        <p:blipFill rotWithShape="1">
+          <a:blip r:embed="rId3" cstate="print">
+            <a:extLst>
+              <a:ext uri="{28A0092B-C50C-407E-A947-70E740481C1C}">
+                <a14:useLocalDpi xmlns:a14="http://schemas.microsoft.com/office/drawing/2010/main" val="0"/>
+              </a:ext>
+            </a:extLst>
+          </a:blip>
+          <a:srcRect r="18021"/>
+          <a:stretch/>
+        </p:blipFill>
+        <p:spPr>
+          <a:xfrm>
+            <a:off x="3071083" y="1936776"/>
+            <a:ext cx="2774072" cy="3383867"/>
+          </a:xfrm>
+          <a:prstGeom prst="rect">
+            <a:avLst/>
+          </a:prstGeom>
+        </p:spPr>
+      </p:pic>
+      <p:sp>
+        <p:nvSpPr>
+          <p:cNvPr id="19" name="Textfeld 18"/>
+          <p:cNvSpPr txBox="1"/>
+          <p:nvPr/>
+        </p:nvSpPr>
+        <p:spPr>
+          <a:xfrm>
+            <a:off x="3349699" y="5141895"/>
+            <a:ext cx="2473352" cy="194925"/>
+          </a:xfrm>
+          <a:prstGeom prst="rect">
+            <a:avLst/>
+          </a:prstGeom>
+          <a:solidFill>
+            <a:schemeClr val="bg1"/>
+          </a:solidFill>
+        </p:spPr>
+        <p:txBody>
+          <a:bodyPr wrap="square" rtlCol="0">
+            <a:spAutoFit/>
+          </a:bodyPr>
+          <a:lstStyle/>
+          <a:p>
+            <a:pPr algn="ctr">
+              <a:lnSpc>
+                <a:spcPts val="844"/>
+              </a:lnSpc>
+            </a:pPr>
+            <a:r>
+              <a:rPr lang="en-US" sz="800" dirty="0">
+                <a:latin typeface="Helvetica" pitchFamily="2" charset="0"/>
+              </a:rPr>
+              <a:t>BPAD [years]</a:t>
+            </a:r>
+          </a:p>
+        </p:txBody>
+      </p:sp>
+      <p:sp>
+        <p:nvSpPr>
+          <p:cNvPr id="20" name="Textfeld 19"/>
+          <p:cNvSpPr txBox="1"/>
+          <p:nvPr/>
+        </p:nvSpPr>
+        <p:spPr>
+          <a:xfrm rot="16200000">
+            <a:off x="1569432" y="3361264"/>
+            <a:ext cx="3076346" cy="194925"/>
+          </a:xfrm>
+          <a:prstGeom prst="rect">
+            <a:avLst/>
+          </a:prstGeom>
+          <a:solidFill>
+            <a:schemeClr val="bg1"/>
+          </a:solidFill>
+        </p:spPr>
+        <p:txBody>
+          <a:bodyPr wrap="square" rtlCol="0">
+            <a:spAutoFit/>
+          </a:bodyPr>
+          <a:lstStyle/>
+          <a:p>
+            <a:pPr algn="ctr">
+              <a:lnSpc>
+                <a:spcPts val="844"/>
+              </a:lnSpc>
+            </a:pPr>
+            <a:r>
+              <a:rPr lang="en-US" sz="800" dirty="0">
+                <a:latin typeface="Helvetica" pitchFamily="2" charset="0"/>
+              </a:rPr>
+              <a:t>CSF A</a:t>
+            </a:r>
+            <a:r>
+              <a:rPr lang="el-GR" sz="800" dirty="0">
+                <a:latin typeface="Helvetica" pitchFamily="2" charset="0"/>
+              </a:rPr>
+              <a:t>β</a:t>
+            </a:r>
+            <a:r>
+              <a:rPr lang="de-DE" sz="800" baseline="-25000" dirty="0">
+                <a:latin typeface="Helvetica" pitchFamily="2" charset="0"/>
+              </a:rPr>
+              <a:t>1-42 </a:t>
+            </a:r>
+            <a:r>
+              <a:rPr lang="de-DE" sz="800" dirty="0">
+                <a:latin typeface="Helvetica" pitchFamily="2" charset="0"/>
+              </a:rPr>
+              <a:t>[pg/ml]</a:t>
+            </a:r>
+            <a:endParaRPr lang="en-US" sz="800" baseline="-25000" dirty="0">
+              <a:latin typeface="Helvetica" pitchFamily="2" charset="0"/>
+            </a:endParaRPr>
+          </a:p>
+        </p:txBody>
+      </p:sp>
+      <p:sp>
+        <p:nvSpPr>
+          <p:cNvPr id="21" name="Textfeld 20"/>
+          <p:cNvSpPr txBox="1"/>
+          <p:nvPr/>
+        </p:nvSpPr>
+        <p:spPr>
+          <a:xfrm>
+            <a:off x="648303" y="4736598"/>
+            <a:ext cx="918482" cy="276999"/>
+          </a:xfrm>
+          <a:prstGeom prst="rect">
+            <a:avLst/>
+          </a:prstGeom>
+          <a:noFill/>
+        </p:spPr>
+        <p:txBody>
+          <a:bodyPr wrap="square" rtlCol="0">
+            <a:spAutoFit/>
+          </a:bodyPr>
+          <a:lstStyle/>
+          <a:p>
+            <a:r>
+              <a:rPr lang="en-US" sz="1200" b="1" dirty="0">
+                <a:solidFill>
+                  <a:srgbClr val="E0E0E0"/>
+                </a:solidFill>
+              </a:rPr>
+              <a:t>CN</a:t>
+            </a:r>
+          </a:p>
+        </p:txBody>
+      </p:sp>
+      <p:sp>
+        <p:nvSpPr>
+          <p:cNvPr id="22" name="Textfeld 21"/>
+          <p:cNvSpPr txBox="1"/>
+          <p:nvPr/>
+        </p:nvSpPr>
+        <p:spPr>
+          <a:xfrm>
+            <a:off x="3431385" y="4736598"/>
+            <a:ext cx="918482" cy="276999"/>
+          </a:xfrm>
+          <a:prstGeom prst="rect">
+            <a:avLst/>
+          </a:prstGeom>
+          <a:noFill/>
+        </p:spPr>
+        <p:txBody>
+          <a:bodyPr wrap="square" rtlCol="0">
+            <a:spAutoFit/>
+          </a:bodyPr>
+          <a:lstStyle/>
+          <a:p>
+            <a:r>
+              <a:rPr lang="en-US" sz="1200" b="1" dirty="0">
+                <a:solidFill>
+                  <a:srgbClr val="E0E0E0"/>
+                </a:solidFill>
+              </a:rPr>
+              <a:t>MCI</a:t>
+            </a:r>
+          </a:p>
+        </p:txBody>
+      </p:sp>
+      <p:sp>
+        <p:nvSpPr>
+          <p:cNvPr id="44" name="Textfeld 43"/>
+          <p:cNvSpPr txBox="1"/>
+          <p:nvPr/>
+        </p:nvSpPr>
+        <p:spPr>
+          <a:xfrm>
+            <a:off x="0" y="5120149"/>
+            <a:ext cx="808502" cy="194925"/>
+          </a:xfrm>
+          <a:prstGeom prst="rect">
+            <a:avLst/>
+          </a:prstGeom>
+          <a:noFill/>
+        </p:spPr>
+        <p:txBody>
+          <a:bodyPr wrap="square" rtlCol="0">
+            <a:spAutoFit/>
+          </a:bodyPr>
+          <a:lstStyle/>
+          <a:p>
+            <a:pPr algn="ctr">
+              <a:lnSpc>
+                <a:spcPts val="844"/>
+              </a:lnSpc>
+            </a:pPr>
+            <a:r>
+              <a:rPr lang="en-US" sz="1200" b="1" dirty="0">
+                <a:latin typeface="Helvetica" pitchFamily="2" charset="0"/>
+              </a:rPr>
+              <a:t>a)</a:t>
+            </a:r>
+          </a:p>
+        </p:txBody>
+      </p:sp>
+      <p:sp>
+        <p:nvSpPr>
+          <p:cNvPr id="45" name="Textfeld 44"/>
+          <p:cNvSpPr txBox="1"/>
+          <p:nvPr/>
+        </p:nvSpPr>
+        <p:spPr>
+          <a:xfrm>
+            <a:off x="3080852" y="5119565"/>
+            <a:ext cx="665873" cy="194925"/>
+          </a:xfrm>
+          <a:prstGeom prst="rect">
+            <a:avLst/>
+          </a:prstGeom>
+          <a:noFill/>
+        </p:spPr>
+        <p:txBody>
+          <a:bodyPr wrap="square" rtlCol="0">
+            <a:spAutoFit/>
+          </a:bodyPr>
+          <a:lstStyle/>
+          <a:p>
+            <a:pPr algn="ctr">
+              <a:lnSpc>
+                <a:spcPts val="844"/>
+              </a:lnSpc>
+            </a:pPr>
+            <a:r>
+              <a:rPr lang="en-US" sz="1200" b="1" dirty="0">
+                <a:latin typeface="Helvetica" pitchFamily="2" charset="0"/>
+              </a:rPr>
+              <a:t>b)</a:t>
+            </a:r>
+          </a:p>
+        </p:txBody>
+      </p:sp>
+      <p:grpSp>
+        <p:nvGrpSpPr>
+          <p:cNvPr id="58" name="Gruppieren 57"/>
+          <p:cNvGrpSpPr/>
+          <p:nvPr/>
+        </p:nvGrpSpPr>
+        <p:grpSpPr>
+          <a:xfrm>
+            <a:off x="2038551" y="5458060"/>
+            <a:ext cx="2547824" cy="361819"/>
+            <a:chOff x="1919814" y="6202119"/>
+            <a:chExt cx="2547824" cy="361819"/>
+          </a:xfrm>
+        </p:grpSpPr>
+        <p:sp>
+          <p:nvSpPr>
+            <p:cNvPr id="46" name="Textfeld 45"/>
+            <p:cNvSpPr txBox="1"/>
+            <p:nvPr/>
+          </p:nvSpPr>
+          <p:spPr>
+            <a:xfrm>
+              <a:off x="3816714" y="6221038"/>
+              <a:ext cx="650924" cy="297517"/>
+            </a:xfrm>
+            <a:prstGeom prst="rect">
+              <a:avLst/>
+            </a:prstGeom>
+            <a:solidFill>
+              <a:schemeClr val="bg1"/>
+            </a:solidFill>
+          </p:spPr>
+          <p:txBody>
+            <a:bodyPr wrap="square" rtlCol="0">
+              <a:spAutoFit/>
+            </a:bodyPr>
+            <a:lstStyle/>
+            <a:p>
+              <a:pPr>
+                <a:lnSpc>
+                  <a:spcPts val="844"/>
+                </a:lnSpc>
+              </a:pPr>
+              <a:r>
+                <a:rPr lang="en-US" sz="800" dirty="0">
+                  <a:latin typeface="Helvetica" pitchFamily="2" charset="0"/>
+                </a:rPr>
+                <a:t>FDG-PET</a:t>
+              </a:r>
+            </a:p>
+            <a:p>
+              <a:pPr>
+                <a:lnSpc>
+                  <a:spcPts val="844"/>
+                </a:lnSpc>
+              </a:pPr>
+              <a:r>
+                <a:rPr lang="en-US" sz="800" dirty="0">
+                  <a:latin typeface="Helvetica" pitchFamily="2" charset="0"/>
+                </a:rPr>
+                <a:t>MRI</a:t>
+              </a:r>
+            </a:p>
+          </p:txBody>
+        </p:sp>
+        <p:sp>
+          <p:nvSpPr>
+            <p:cNvPr id="47" name="Rechteck 46"/>
+            <p:cNvSpPr/>
+            <p:nvPr/>
+          </p:nvSpPr>
+          <p:spPr>
+            <a:xfrm>
+              <a:off x="3684484" y="6261685"/>
+              <a:ext cx="155517" cy="78516"/>
+            </a:xfrm>
+            <a:prstGeom prst="rect">
+              <a:avLst/>
+            </a:prstGeom>
+            <a:solidFill>
+              <a:srgbClr val="FFD9CB"/>
+            </a:solidFill>
+            <a:ln>
+              <a:noFill/>
+            </a:ln>
+          </p:spPr>
+          <p:style>
+            <a:lnRef idx="2">
+              <a:schemeClr val="accent1">
+                <a:shade val="50000"/>
+              </a:schemeClr>
+            </a:lnRef>
+            <a:fillRef idx="1">
+              <a:schemeClr val="accent1"/>
+            </a:fillRef>
+            <a:effectRef idx="0">
+              <a:schemeClr val="accent1"/>
+            </a:effectRef>
+            <a:fontRef idx="minor">
+              <a:schemeClr val="lt1"/>
+            </a:fontRef>
+          </p:style>
+          <p:txBody>
+            <a:bodyPr rtlCol="0" anchor="ctr"/>
+            <a:lstStyle/>
+            <a:p>
+              <a:pPr algn="ctr"/>
+              <a:endParaRPr lang="en-US" sz="1013"/>
+            </a:p>
+          </p:txBody>
+        </p:sp>
+        <p:sp>
+          <p:nvSpPr>
+            <p:cNvPr id="48" name="Rechteck 47"/>
+            <p:cNvSpPr/>
+            <p:nvPr/>
+          </p:nvSpPr>
+          <p:spPr>
+            <a:xfrm>
+              <a:off x="3684484" y="6365763"/>
+              <a:ext cx="155517" cy="78516"/>
+            </a:xfrm>
+            <a:prstGeom prst="rect">
+              <a:avLst/>
+            </a:prstGeom>
+            <a:solidFill>
+              <a:srgbClr val="CCE8E8"/>
+            </a:solidFill>
+            <a:ln>
+              <a:noFill/>
+            </a:ln>
+          </p:spPr>
+          <p:style>
+            <a:lnRef idx="2">
+              <a:schemeClr val="accent1">
+                <a:shade val="50000"/>
+              </a:schemeClr>
+            </a:lnRef>
+            <a:fillRef idx="1">
+              <a:schemeClr val="accent1"/>
+            </a:fillRef>
+            <a:effectRef idx="0">
+              <a:schemeClr val="accent1"/>
+            </a:effectRef>
+            <a:fontRef idx="minor">
+              <a:schemeClr val="lt1"/>
+            </a:fontRef>
+          </p:style>
+          <p:txBody>
+            <a:bodyPr rtlCol="0" anchor="ctr"/>
+            <a:lstStyle/>
+            <a:p>
+              <a:pPr algn="ctr"/>
+              <a:endParaRPr lang="en-US" sz="1013"/>
+            </a:p>
+          </p:txBody>
+        </p:sp>
+        <p:grpSp>
+          <p:nvGrpSpPr>
+            <p:cNvPr id="49" name="Gruppieren 48"/>
+            <p:cNvGrpSpPr/>
+            <p:nvPr/>
+          </p:nvGrpSpPr>
+          <p:grpSpPr>
+            <a:xfrm>
+              <a:off x="1919814" y="6215735"/>
+              <a:ext cx="1233200" cy="297517"/>
+              <a:chOff x="3400523" y="6240476"/>
+              <a:chExt cx="2192355" cy="528918"/>
+            </a:xfrm>
+          </p:grpSpPr>
+          <p:sp>
+            <p:nvSpPr>
+              <p:cNvPr id="50" name="Textfeld 49"/>
+              <p:cNvSpPr txBox="1"/>
+              <p:nvPr/>
+            </p:nvSpPr>
+            <p:spPr>
+              <a:xfrm>
+                <a:off x="4556750" y="6240476"/>
+                <a:ext cx="1036128" cy="528918"/>
+              </a:xfrm>
+              <a:prstGeom prst="rect">
+                <a:avLst/>
+              </a:prstGeom>
+              <a:solidFill>
+                <a:schemeClr val="bg1"/>
+              </a:solidFill>
+            </p:spPr>
+            <p:txBody>
+              <a:bodyPr wrap="square" rtlCol="0">
+                <a:spAutoFit/>
+              </a:bodyPr>
+              <a:lstStyle/>
+              <a:p>
+                <a:pPr>
+                  <a:lnSpc>
+                    <a:spcPts val="844"/>
+                  </a:lnSpc>
+                </a:pPr>
+                <a:r>
+                  <a:rPr lang="en-US" sz="800" dirty="0">
+                    <a:latin typeface="Helvetica" pitchFamily="2" charset="0"/>
+                  </a:rPr>
+                  <a:t>Male</a:t>
+                </a:r>
+              </a:p>
+              <a:p>
+                <a:pPr>
+                  <a:lnSpc>
+                    <a:spcPts val="844"/>
+                  </a:lnSpc>
+                </a:pPr>
+                <a:r>
+                  <a:rPr lang="en-US" sz="800" dirty="0">
+                    <a:latin typeface="Helvetica" pitchFamily="2" charset="0"/>
+                  </a:rPr>
+                  <a:t>Female</a:t>
+                </a:r>
+              </a:p>
+            </p:txBody>
+          </p:sp>
+          <p:sp>
+            <p:nvSpPr>
+              <p:cNvPr id="51" name="Textfeld 50"/>
+              <p:cNvSpPr txBox="1"/>
+              <p:nvPr/>
+            </p:nvSpPr>
+            <p:spPr>
+              <a:xfrm>
+                <a:off x="3400523" y="6311564"/>
+                <a:ext cx="1073196" cy="369331"/>
+              </a:xfrm>
+              <a:prstGeom prst="rect">
+                <a:avLst/>
+              </a:prstGeom>
+              <a:solidFill>
+                <a:schemeClr val="bg1"/>
+              </a:solidFill>
+            </p:spPr>
+            <p:txBody>
+              <a:bodyPr wrap="square" rtlCol="0">
+                <a:spAutoFit/>
+              </a:bodyPr>
+              <a:lstStyle/>
+              <a:p>
+                <a:pPr algn="r">
+                  <a:lnSpc>
+                    <a:spcPts val="900"/>
+                  </a:lnSpc>
+                </a:pPr>
+                <a:r>
+                  <a:rPr lang="en-US" sz="800" dirty="0">
+                    <a:latin typeface="Helvetica" pitchFamily="2" charset="0"/>
+                  </a:rPr>
+                  <a:t>Sex</a:t>
+                </a:r>
+              </a:p>
+            </p:txBody>
+          </p:sp>
+        </p:grpSp>
+        <p:pic>
+          <p:nvPicPr>
+            <p:cNvPr id="52" name="Grafik 51"/>
+            <p:cNvPicPr>
+              <a:picLocks noChangeAspect="1"/>
+            </p:cNvPicPr>
+            <p:nvPr/>
+          </p:nvPicPr>
+          <p:blipFill rotWithShape="1">
+            <a:blip r:embed="rId4" cstate="print">
+              <a:extLst>
+                <a:ext uri="{28A0092B-C50C-407E-A947-70E740481C1C}">
+                  <a14:useLocalDpi xmlns:a14="http://schemas.microsoft.com/office/drawing/2010/main" val="0"/>
+                </a:ext>
+              </a:extLst>
+            </a:blip>
+            <a:srcRect l="83389" t="44538" r="14837" b="48174"/>
+            <a:stretch/>
+          </p:blipFill>
+          <p:spPr>
+            <a:xfrm>
+              <a:off x="2515967" y="6202119"/>
+              <a:ext cx="88106" cy="361819"/>
+            </a:xfrm>
+            <a:prstGeom prst="rect">
+              <a:avLst/>
+            </a:prstGeom>
+          </p:spPr>
+        </p:pic>
+        <p:cxnSp>
+          <p:nvCxnSpPr>
+            <p:cNvPr id="53" name="Gerader Verbinder 52"/>
+            <p:cNvCxnSpPr/>
+            <p:nvPr/>
+          </p:nvCxnSpPr>
+          <p:spPr>
+            <a:xfrm flipH="1" flipV="1">
+              <a:off x="3768870" y="6301063"/>
+              <a:ext cx="71131" cy="83"/>
+            </a:xfrm>
+            <a:prstGeom prst="line">
+              <a:avLst/>
+            </a:prstGeom>
+            <a:ln w="28575">
+              <a:solidFill>
+                <a:srgbClr val="FF7643"/>
+              </a:solidFill>
+            </a:ln>
+          </p:spPr>
+          <p:style>
+            <a:lnRef idx="1">
+              <a:schemeClr val="accent1"/>
+            </a:lnRef>
+            <a:fillRef idx="0">
+              <a:schemeClr val="accent1"/>
+            </a:fillRef>
+            <a:effectRef idx="0">
+              <a:schemeClr val="accent1"/>
+            </a:effectRef>
+            <a:fontRef idx="minor">
+              <a:schemeClr val="tx1"/>
+            </a:fontRef>
+          </p:style>
+        </p:cxnSp>
+        <p:cxnSp>
+          <p:nvCxnSpPr>
+            <p:cNvPr id="54" name="Gerader Verbinder 53"/>
+            <p:cNvCxnSpPr/>
+            <p:nvPr/>
+          </p:nvCxnSpPr>
+          <p:spPr>
+            <a:xfrm>
+              <a:off x="3703772" y="6300943"/>
+              <a:ext cx="19268" cy="120"/>
+            </a:xfrm>
+            <a:prstGeom prst="line">
+              <a:avLst/>
+            </a:prstGeom>
+            <a:ln w="28575">
+              <a:solidFill>
+                <a:srgbClr val="FF7643"/>
+              </a:solidFill>
+            </a:ln>
+          </p:spPr>
+          <p:style>
+            <a:lnRef idx="1">
+              <a:schemeClr val="accent1"/>
+            </a:lnRef>
+            <a:fillRef idx="0">
+              <a:schemeClr val="accent1"/>
+            </a:fillRef>
+            <a:effectRef idx="0">
+              <a:schemeClr val="accent1"/>
+            </a:effectRef>
+            <a:fontRef idx="minor">
+              <a:schemeClr val="tx1"/>
+            </a:fontRef>
+          </p:style>
+        </p:cxnSp>
+        <p:cxnSp>
+          <p:nvCxnSpPr>
+            <p:cNvPr id="55" name="Gerader Verbinder 54"/>
+            <p:cNvCxnSpPr/>
+            <p:nvPr/>
+          </p:nvCxnSpPr>
+          <p:spPr>
+            <a:xfrm flipH="1" flipV="1">
+              <a:off x="3768431" y="6406076"/>
+              <a:ext cx="71131" cy="83"/>
+            </a:xfrm>
+            <a:prstGeom prst="line">
+              <a:avLst/>
+            </a:prstGeom>
+            <a:ln w="28575">
+              <a:solidFill>
+                <a:srgbClr val="008B8B"/>
+              </a:solidFill>
+            </a:ln>
+          </p:spPr>
+          <p:style>
+            <a:lnRef idx="1">
+              <a:schemeClr val="accent1"/>
+            </a:lnRef>
+            <a:fillRef idx="0">
+              <a:schemeClr val="accent1"/>
+            </a:fillRef>
+            <a:effectRef idx="0">
+              <a:schemeClr val="accent1"/>
+            </a:effectRef>
+            <a:fontRef idx="minor">
+              <a:schemeClr val="tx1"/>
+            </a:fontRef>
+          </p:style>
+        </p:cxnSp>
+        <p:cxnSp>
+          <p:nvCxnSpPr>
+            <p:cNvPr id="56" name="Gerader Verbinder 55"/>
+            <p:cNvCxnSpPr/>
+            <p:nvPr/>
+          </p:nvCxnSpPr>
+          <p:spPr>
+            <a:xfrm>
+              <a:off x="3703333" y="6405957"/>
+              <a:ext cx="19268" cy="120"/>
+            </a:xfrm>
+            <a:prstGeom prst="line">
+              <a:avLst/>
+            </a:prstGeom>
+            <a:ln w="28575">
+              <a:solidFill>
+                <a:srgbClr val="008B8B"/>
+              </a:solidFill>
+            </a:ln>
+          </p:spPr>
+          <p:style>
+            <a:lnRef idx="1">
+              <a:schemeClr val="accent1"/>
+            </a:lnRef>
+            <a:fillRef idx="0">
+              <a:schemeClr val="accent1"/>
+            </a:fillRef>
+            <a:effectRef idx="0">
+              <a:schemeClr val="accent1"/>
+            </a:effectRef>
+            <a:fontRef idx="minor">
+              <a:schemeClr val="tx1"/>
+            </a:fontRef>
+          </p:style>
+        </p:cxnSp>
+        <p:sp>
+          <p:nvSpPr>
+            <p:cNvPr id="57" name="Textfeld 56"/>
+            <p:cNvSpPr txBox="1"/>
+            <p:nvPr/>
+          </p:nvSpPr>
+          <p:spPr>
+            <a:xfrm>
+              <a:off x="3053829" y="6261024"/>
+              <a:ext cx="603674" cy="207749"/>
+            </a:xfrm>
+            <a:prstGeom prst="rect">
+              <a:avLst/>
+            </a:prstGeom>
+            <a:solidFill>
+              <a:schemeClr val="bg1"/>
+            </a:solidFill>
+          </p:spPr>
+          <p:txBody>
+            <a:bodyPr wrap="square" rtlCol="0">
+              <a:spAutoFit/>
+            </a:bodyPr>
+            <a:lstStyle/>
+            <a:p>
+              <a:pPr algn="r">
+                <a:lnSpc>
+                  <a:spcPts val="900"/>
+                </a:lnSpc>
+              </a:pPr>
+              <a:r>
+                <a:rPr lang="en-US" sz="800" dirty="0">
+                  <a:latin typeface="Helvetica" pitchFamily="2" charset="0"/>
+                </a:rPr>
+                <a:t>Modality</a:t>
+              </a:r>
+            </a:p>
+          </p:txBody>
+        </p:sp>
+      </p:grpSp>
+      <p:sp>
+        <p:nvSpPr>
+          <p:cNvPr id="93" name="Textfeld 92"/>
+          <p:cNvSpPr txBox="1"/>
+          <p:nvPr/>
+        </p:nvSpPr>
+        <p:spPr>
+          <a:xfrm>
+            <a:off x="2355721" y="4660385"/>
+            <a:ext cx="810135" cy="338554"/>
+          </a:xfrm>
+          <a:prstGeom prst="rect">
+            <a:avLst/>
+          </a:prstGeom>
+          <a:noFill/>
+        </p:spPr>
+        <p:txBody>
+          <a:bodyPr wrap="square" rtlCol="0">
+            <a:spAutoFit/>
+          </a:bodyPr>
+          <a:lstStyle/>
+          <a:p>
+            <a:r>
+              <a:rPr lang="el-GR" sz="800" dirty="0" smtClean="0">
+                <a:solidFill>
+                  <a:srgbClr val="32A1A1"/>
+                </a:solidFill>
+                <a:latin typeface="Helvetica" pitchFamily="2" charset="0"/>
+              </a:rPr>
+              <a:t>ρ</a:t>
+            </a:r>
+            <a:r>
+              <a:rPr lang="de-DE" sz="800" dirty="0" smtClean="0">
+                <a:solidFill>
+                  <a:srgbClr val="32A1A1"/>
+                </a:solidFill>
+                <a:latin typeface="Helvetica" pitchFamily="2" charset="0"/>
+              </a:rPr>
+              <a:t> = -.126*</a:t>
+            </a:r>
+          </a:p>
+          <a:p>
+            <a:r>
+              <a:rPr lang="el-GR" sz="800" dirty="0" smtClean="0">
+                <a:solidFill>
+                  <a:srgbClr val="FF7643"/>
+                </a:solidFill>
+                <a:latin typeface="Helvetica" pitchFamily="2" charset="0"/>
+              </a:rPr>
+              <a:t>ρ</a:t>
+            </a:r>
+            <a:r>
+              <a:rPr lang="de-DE" sz="800" dirty="0" smtClean="0">
+                <a:solidFill>
+                  <a:srgbClr val="FF7643"/>
+                </a:solidFill>
+                <a:latin typeface="Helvetica" pitchFamily="2" charset="0"/>
+              </a:rPr>
+              <a:t> = -.160**</a:t>
+            </a:r>
+            <a:endParaRPr lang="en-US" sz="800" dirty="0">
+              <a:solidFill>
+                <a:srgbClr val="FF7643"/>
+              </a:solidFill>
+              <a:latin typeface="Helvetica" pitchFamily="2" charset="0"/>
+            </a:endParaRPr>
+          </a:p>
+        </p:txBody>
+      </p:sp>
+      <p:sp>
+        <p:nvSpPr>
+          <p:cNvPr id="94" name="Textfeld 93"/>
+          <p:cNvSpPr txBox="1"/>
+          <p:nvPr/>
+        </p:nvSpPr>
+        <p:spPr>
+          <a:xfrm>
+            <a:off x="5145862" y="4655306"/>
+            <a:ext cx="810135" cy="338554"/>
+          </a:xfrm>
+          <a:prstGeom prst="rect">
+            <a:avLst/>
+          </a:prstGeom>
+          <a:noFill/>
+        </p:spPr>
+        <p:txBody>
+          <a:bodyPr wrap="square" rtlCol="0">
+            <a:spAutoFit/>
+          </a:bodyPr>
+          <a:lstStyle/>
+          <a:p>
+            <a:r>
+              <a:rPr lang="el-GR" sz="800" dirty="0" smtClean="0">
+                <a:solidFill>
+                  <a:srgbClr val="32A1A1"/>
+                </a:solidFill>
+                <a:latin typeface="Helvetica" pitchFamily="2" charset="0"/>
+              </a:rPr>
+              <a:t>ρ</a:t>
+            </a:r>
+            <a:r>
+              <a:rPr lang="de-DE" sz="800" dirty="0" smtClean="0">
+                <a:solidFill>
+                  <a:srgbClr val="32A1A1"/>
+                </a:solidFill>
+                <a:latin typeface="Helvetica" pitchFamily="2" charset="0"/>
+              </a:rPr>
+              <a:t> = -.262**</a:t>
+            </a:r>
+          </a:p>
+          <a:p>
+            <a:r>
+              <a:rPr lang="el-GR" sz="800" dirty="0" smtClean="0">
+                <a:solidFill>
+                  <a:srgbClr val="FF7643"/>
+                </a:solidFill>
+                <a:latin typeface="Helvetica" pitchFamily="2" charset="0"/>
+              </a:rPr>
+              <a:t>ρ</a:t>
+            </a:r>
+            <a:r>
+              <a:rPr lang="de-DE" sz="800" dirty="0" smtClean="0">
+                <a:solidFill>
+                  <a:srgbClr val="FF7643"/>
+                </a:solidFill>
+                <a:latin typeface="Helvetica" pitchFamily="2" charset="0"/>
+              </a:rPr>
+              <a:t> = -.216**</a:t>
+            </a:r>
+            <a:endParaRPr lang="en-US" sz="800" dirty="0">
+              <a:solidFill>
+                <a:srgbClr val="FF7643"/>
+              </a:solidFill>
+              <a:latin typeface="Helvetica" pitchFamily="2" charset="0"/>
+            </a:endParaRPr>
+          </a:p>
+        </p:txBody>
+      </p:sp>
+    </p:spTree>
+    <p:extLst>
+      <p:ext uri="{BB962C8B-B14F-4D97-AF65-F5344CB8AC3E}">
+        <p14:creationId xmlns:p14="http://schemas.microsoft.com/office/powerpoint/2010/main" val="373621570"/>
+      </p:ext>
+    </p:extLst>
+  </p:cSld>
+  <p:clrMapOvr>
+    <a:masterClrMapping/>
+  </p:clrMapOvr>
+</p:sld>
+</file>
+
+<file path=ppt/slides/slide6.xml><?xml version="1.0" encoding="utf-8"?>
 <p:sld xmlns:a="http://schemas.openxmlformats.org/drawingml/2006/main" xmlns:r="http://schemas.openxmlformats.org/officeDocument/2006/relationships" xmlns:p="http://schemas.openxmlformats.org/presentationml/2006/main">
   <p:cSld>
     <p:spTree>
@@ -5209,9 +7774,6 @@
                   </a:rPr>
                   <a:t>DX after 2 years</a:t>
                 </a:r>
-                <a:endParaRPr lang="en-US" sz="800" dirty="0">
-                  <a:latin typeface="Helvetica" pitchFamily="2" charset="0"/>
-                </a:endParaRPr>
               </a:p>
             </p:txBody>
           </p:sp>
@@ -5516,9 +8078,6 @@
                 </a:rPr>
                 <a:t>-</a:t>
               </a:r>
-              <a:endParaRPr lang="en-US" sz="800" dirty="0">
-                <a:latin typeface="Helvetica" pitchFamily="2" charset="0"/>
-              </a:endParaRPr>
             </a:p>
             <a:p>
               <a:r>
@@ -5535,9 +8094,6 @@
                 </a:rPr>
                 <a:t>+</a:t>
               </a:r>
-              <a:endParaRPr lang="en-US" sz="800" dirty="0">
-                <a:latin typeface="Helvetica" pitchFamily="2" charset="0"/>
-              </a:endParaRPr>
             </a:p>
           </p:txBody>
         </p:sp>
@@ -5575,9 +8131,6 @@
               </a:rPr>
               <a:t>a)</a:t>
             </a:r>
-            <a:endParaRPr lang="en-US" sz="1200" b="1" dirty="0">
-              <a:latin typeface="Helvetica" pitchFamily="2" charset="0"/>
-            </a:endParaRPr>
           </a:p>
         </p:txBody>
       </p:sp>
@@ -5612,17 +8165,8 @@
               <a:rPr lang="en-US" sz="1200" b="1" dirty="0">
                 <a:latin typeface="Helvetica" pitchFamily="2" charset="0"/>
               </a:rPr>
-              <a:t>b</a:t>
-            </a:r>
-            <a:r>
-              <a:rPr lang="en-US" sz="1200" b="1" dirty="0">
-                <a:latin typeface="Helvetica" pitchFamily="2" charset="0"/>
-              </a:rPr>
-              <a:t>)</a:t>
-            </a:r>
-            <a:endParaRPr lang="en-US" sz="1200" b="1" dirty="0">
-              <a:latin typeface="Helvetica" pitchFamily="2" charset="0"/>
-            </a:endParaRPr>
+              <a:t>b)</a:t>
+            </a:r>
           </a:p>
         </p:txBody>
       </p:sp>
@@ -5736,9 +8280,6 @@
               </a:rPr>
               <a:t>PET-BPAD [years]</a:t>
             </a:r>
-            <a:endParaRPr lang="en-US" sz="800" dirty="0">
-              <a:latin typeface="Helvetica" pitchFamily="2" charset="0"/>
-            </a:endParaRPr>
           </a:p>
         </p:txBody>
       </p:sp>
@@ -5936,11 +8477,6 @@
               </a:rPr>
               <a:t>Sample 1</a:t>
             </a:r>
-            <a:endParaRPr lang="en-US" sz="1200" b="1" dirty="0">
-              <a:solidFill>
-                <a:srgbClr val="E0E0E0"/>
-              </a:solidFill>
-            </a:endParaRPr>
           </a:p>
         </p:txBody>
       </p:sp>
@@ -6083,9 +8619,6 @@
               </a:rPr>
               <a:t>[years]</a:t>
             </a:r>
-            <a:endParaRPr lang="en-US" sz="800" dirty="0">
-              <a:latin typeface="Helvetica" pitchFamily="2" charset="0"/>
-            </a:endParaRPr>
           </a:p>
         </p:txBody>
       </p:sp>
@@ -6119,11 +8652,6 @@
               </a:rPr>
               <a:t>Sample 2</a:t>
             </a:r>
-            <a:endParaRPr lang="en-US" sz="1200" b="1" dirty="0">
-              <a:solidFill>
-                <a:srgbClr val="E0E0E0"/>
-              </a:solidFill>
-            </a:endParaRPr>
           </a:p>
         </p:txBody>
       </p:sp>
@@ -6218,6 +8746,44 @@
             </a:r>
             <a:endParaRPr lang="en-US" sz="800" baseline="-25000" dirty="0">
               <a:latin typeface="Helvetica" pitchFamily="2" charset="0"/>
+            </a:endParaRPr>
+          </a:p>
+        </p:txBody>
+      </p:sp>
+      <p:sp>
+        <p:nvSpPr>
+          <p:cNvPr id="2" name="Textfeld 1"/>
+          <p:cNvSpPr txBox="1"/>
+          <p:nvPr/>
+        </p:nvSpPr>
+        <p:spPr>
+          <a:xfrm>
+            <a:off x="2545993" y="4157908"/>
+            <a:ext cx="4450080" cy="769441"/>
+          </a:xfrm>
+          <a:prstGeom prst="rect">
+            <a:avLst/>
+          </a:prstGeom>
+          <a:noFill/>
+        </p:spPr>
+        <p:txBody>
+          <a:bodyPr wrap="square" rtlCol="0">
+            <a:spAutoFit/>
+          </a:bodyPr>
+          <a:lstStyle/>
+          <a:p>
+            <a:r>
+              <a:rPr lang="en-US" sz="4400" b="1" dirty="0" smtClean="0">
+                <a:solidFill>
+                  <a:srgbClr val="FF0000"/>
+                </a:solidFill>
+              </a:rPr>
+              <a:t>OLD</a:t>
+            </a:r>
+            <a:endParaRPr lang="en-US" sz="4400" b="1" dirty="0">
+              <a:solidFill>
+                <a:srgbClr val="FF0000"/>
+              </a:solidFill>
             </a:endParaRPr>
           </a:p>
         </p:txBody>
@@ -6235,7 +8801,1241 @@
 </p:sld>
 </file>
 
-<file path=ppt/slides/slide4.xml><?xml version="1.0" encoding="utf-8"?>
+<file path=ppt/slides/slide7.xml><?xml version="1.0" encoding="utf-8"?>
+<p:sld xmlns:a="http://schemas.openxmlformats.org/drawingml/2006/main" xmlns:r="http://schemas.openxmlformats.org/officeDocument/2006/relationships" xmlns:p="http://schemas.openxmlformats.org/presentationml/2006/main">
+  <p:cSld>
+    <p:spTree>
+      <p:nvGrpSpPr>
+        <p:cNvPr id="1" name=""/>
+        <p:cNvGrpSpPr/>
+        <p:nvPr/>
+      </p:nvGrpSpPr>
+      <p:grpSpPr>
+        <a:xfrm>
+          <a:off x="0" y="0"/>
+          <a:ext cx="0" cy="0"/>
+          <a:chOff x="0" y="0"/>
+          <a:chExt cx="0" cy="0"/>
+        </a:xfrm>
+      </p:grpSpPr>
+      <p:pic>
+        <p:nvPicPr>
+          <p:cNvPr id="4" name="Grafik 3"/>
+          <p:cNvPicPr>
+            <a:picLocks noChangeAspect="1"/>
+          </p:cNvPicPr>
+          <p:nvPr/>
+        </p:nvPicPr>
+        <p:blipFill rotWithShape="1">
+          <a:blip r:embed="rId2" cstate="print">
+            <a:extLst>
+              <a:ext uri="{28A0092B-C50C-407E-A947-70E740481C1C}">
+                <a14:useLocalDpi xmlns:a14="http://schemas.microsoft.com/office/drawing/2010/main" val="0"/>
+              </a:ext>
+            </a:extLst>
+          </a:blip>
+          <a:srcRect r="15221"/>
+          <a:stretch/>
+        </p:blipFill>
+        <p:spPr>
+          <a:xfrm>
+            <a:off x="292947" y="2877968"/>
+            <a:ext cx="2588040" cy="3052705"/>
+          </a:xfrm>
+          <a:prstGeom prst="rect">
+            <a:avLst/>
+          </a:prstGeom>
+        </p:spPr>
+      </p:pic>
+      <p:pic>
+        <p:nvPicPr>
+          <p:cNvPr id="5" name="Grafik 4"/>
+          <p:cNvPicPr>
+            <a:picLocks noChangeAspect="1"/>
+          </p:cNvPicPr>
+          <p:nvPr/>
+        </p:nvPicPr>
+        <p:blipFill rotWithShape="1">
+          <a:blip r:embed="rId3" cstate="print">
+            <a:extLst>
+              <a:ext uri="{28A0092B-C50C-407E-A947-70E740481C1C}">
+                <a14:useLocalDpi xmlns:a14="http://schemas.microsoft.com/office/drawing/2010/main" val="0"/>
+              </a:ext>
+            </a:extLst>
+          </a:blip>
+          <a:srcRect r="14961"/>
+          <a:stretch/>
+        </p:blipFill>
+        <p:spPr>
+          <a:xfrm>
+            <a:off x="3303764" y="2877969"/>
+            <a:ext cx="2595995" cy="3052705"/>
+          </a:xfrm>
+          <a:prstGeom prst="rect">
+            <a:avLst/>
+          </a:prstGeom>
+        </p:spPr>
+      </p:pic>
+      <p:sp>
+        <p:nvSpPr>
+          <p:cNvPr id="17" name="Textfeld 16"/>
+          <p:cNvSpPr txBox="1"/>
+          <p:nvPr/>
+        </p:nvSpPr>
+        <p:spPr>
+          <a:xfrm>
+            <a:off x="3029095" y="5884233"/>
+            <a:ext cx="665873" cy="194925"/>
+          </a:xfrm>
+          <a:prstGeom prst="rect">
+            <a:avLst/>
+          </a:prstGeom>
+          <a:noFill/>
+        </p:spPr>
+        <p:txBody>
+          <a:bodyPr wrap="square" rtlCol="0">
+            <a:spAutoFit/>
+          </a:bodyPr>
+          <a:lstStyle/>
+          <a:p>
+            <a:pPr algn="ctr">
+              <a:lnSpc>
+                <a:spcPts val="844"/>
+              </a:lnSpc>
+            </a:pPr>
+            <a:r>
+              <a:rPr lang="en-US" sz="1200" b="1" dirty="0">
+                <a:latin typeface="Helvetica" pitchFamily="2" charset="0"/>
+              </a:rPr>
+              <a:t>b)</a:t>
+            </a:r>
+          </a:p>
+        </p:txBody>
+      </p:sp>
+      <p:sp>
+        <p:nvSpPr>
+          <p:cNvPr id="19" name="Textfeld 18"/>
+          <p:cNvSpPr txBox="1"/>
+          <p:nvPr/>
+        </p:nvSpPr>
+        <p:spPr>
+          <a:xfrm>
+            <a:off x="586968" y="5847203"/>
+            <a:ext cx="2416229" cy="194925"/>
+          </a:xfrm>
+          <a:prstGeom prst="rect">
+            <a:avLst/>
+          </a:prstGeom>
+          <a:solidFill>
+            <a:schemeClr val="bg1"/>
+          </a:solidFill>
+        </p:spPr>
+        <p:txBody>
+          <a:bodyPr wrap="square" rtlCol="0">
+            <a:spAutoFit/>
+          </a:bodyPr>
+          <a:lstStyle/>
+          <a:p>
+            <a:pPr algn="ctr">
+              <a:lnSpc>
+                <a:spcPts val="844"/>
+              </a:lnSpc>
+            </a:pPr>
+            <a:r>
+              <a:rPr lang="en-US" sz="800" dirty="0">
+                <a:latin typeface="Helvetica" pitchFamily="2" charset="0"/>
+              </a:rPr>
+              <a:t>PET-BPAD [years]</a:t>
+            </a:r>
+          </a:p>
+        </p:txBody>
+      </p:sp>
+      <p:sp>
+        <p:nvSpPr>
+          <p:cNvPr id="20" name="Textfeld 19"/>
+          <p:cNvSpPr txBox="1"/>
+          <p:nvPr/>
+        </p:nvSpPr>
+        <p:spPr>
+          <a:xfrm rot="16200000">
+            <a:off x="-1272551" y="4248597"/>
+            <a:ext cx="3076347" cy="194925"/>
+          </a:xfrm>
+          <a:prstGeom prst="rect">
+            <a:avLst/>
+          </a:prstGeom>
+          <a:solidFill>
+            <a:schemeClr val="bg1"/>
+          </a:solidFill>
+        </p:spPr>
+        <p:txBody>
+          <a:bodyPr wrap="square" rtlCol="0">
+            <a:spAutoFit/>
+          </a:bodyPr>
+          <a:lstStyle/>
+          <a:p>
+            <a:pPr algn="ctr">
+              <a:lnSpc>
+                <a:spcPts val="844"/>
+              </a:lnSpc>
+            </a:pPr>
+            <a:r>
+              <a:rPr lang="de-DE" sz="800" dirty="0" err="1">
+                <a:latin typeface="Helvetica" pitchFamily="2" charset="0"/>
+              </a:rPr>
+              <a:t>Predicted</a:t>
+            </a:r>
+            <a:r>
+              <a:rPr lang="de-DE" sz="800" dirty="0">
+                <a:latin typeface="Helvetica" pitchFamily="2" charset="0"/>
+              </a:rPr>
+              <a:t> </a:t>
+            </a:r>
+            <a:r>
+              <a:rPr lang="de-DE" sz="800" dirty="0" err="1">
+                <a:latin typeface="Helvetica" pitchFamily="2" charset="0"/>
+              </a:rPr>
+              <a:t>Probability</a:t>
+            </a:r>
+            <a:r>
+              <a:rPr lang="de-DE" sz="800" dirty="0">
+                <a:latin typeface="Helvetica" pitchFamily="2" charset="0"/>
+              </a:rPr>
+              <a:t> </a:t>
+            </a:r>
+            <a:r>
+              <a:rPr lang="de-DE" sz="800" dirty="0" err="1">
+                <a:latin typeface="Helvetica" pitchFamily="2" charset="0"/>
+              </a:rPr>
+              <a:t>of</a:t>
+            </a:r>
+            <a:r>
+              <a:rPr lang="de-DE" sz="800" dirty="0">
+                <a:latin typeface="Helvetica" pitchFamily="2" charset="0"/>
+              </a:rPr>
+              <a:t> </a:t>
+            </a:r>
+            <a:r>
+              <a:rPr lang="de-DE" sz="800" dirty="0" err="1">
+                <a:latin typeface="Helvetica" pitchFamily="2" charset="0"/>
+              </a:rPr>
+              <a:t>Cognitive</a:t>
+            </a:r>
+            <a:r>
+              <a:rPr lang="de-DE" sz="800" dirty="0">
+                <a:latin typeface="Helvetica" pitchFamily="2" charset="0"/>
+              </a:rPr>
+              <a:t> </a:t>
+            </a:r>
+            <a:r>
+              <a:rPr lang="de-DE" sz="800" dirty="0" err="1">
+                <a:latin typeface="Helvetica" pitchFamily="2" charset="0"/>
+              </a:rPr>
+              <a:t>Decline</a:t>
+            </a:r>
+            <a:r>
+              <a:rPr lang="de-DE" sz="800" dirty="0">
+                <a:latin typeface="Helvetica" pitchFamily="2" charset="0"/>
+              </a:rPr>
+              <a:t> [%]</a:t>
+            </a:r>
+            <a:endParaRPr lang="en-US" sz="800" baseline="-25000" dirty="0">
+              <a:latin typeface="Helvetica" pitchFamily="2" charset="0"/>
+            </a:endParaRPr>
+          </a:p>
+        </p:txBody>
+      </p:sp>
+      <p:sp>
+        <p:nvSpPr>
+          <p:cNvPr id="21" name="Textfeld 20"/>
+          <p:cNvSpPr txBox="1"/>
+          <p:nvPr/>
+        </p:nvSpPr>
+        <p:spPr>
+          <a:xfrm>
+            <a:off x="683565" y="3021807"/>
+            <a:ext cx="918482" cy="276999"/>
+          </a:xfrm>
+          <a:prstGeom prst="rect">
+            <a:avLst/>
+          </a:prstGeom>
+          <a:noFill/>
+        </p:spPr>
+        <p:txBody>
+          <a:bodyPr wrap="square" rtlCol="0">
+            <a:spAutoFit/>
+          </a:bodyPr>
+          <a:lstStyle/>
+          <a:p>
+            <a:r>
+              <a:rPr lang="en-US" sz="1200" b="1" dirty="0">
+                <a:solidFill>
+                  <a:srgbClr val="E0E0E0"/>
+                </a:solidFill>
+              </a:rPr>
+              <a:t>Sample 1</a:t>
+            </a:r>
+          </a:p>
+        </p:txBody>
+      </p:sp>
+      <p:sp>
+        <p:nvSpPr>
+          <p:cNvPr id="22" name="Textfeld 21"/>
+          <p:cNvSpPr txBox="1"/>
+          <p:nvPr/>
+        </p:nvSpPr>
+        <p:spPr>
+          <a:xfrm>
+            <a:off x="3703584" y="5847203"/>
+            <a:ext cx="2416229" cy="194925"/>
+          </a:xfrm>
+          <a:prstGeom prst="rect">
+            <a:avLst/>
+          </a:prstGeom>
+          <a:solidFill>
+            <a:schemeClr val="bg1"/>
+          </a:solidFill>
+        </p:spPr>
+        <p:txBody>
+          <a:bodyPr wrap="square" rtlCol="0">
+            <a:spAutoFit/>
+          </a:bodyPr>
+          <a:lstStyle/>
+          <a:p>
+            <a:pPr algn="ctr">
+              <a:lnSpc>
+                <a:spcPts val="844"/>
+              </a:lnSpc>
+            </a:pPr>
+            <a:r>
+              <a:rPr lang="en-US" sz="800">
+                <a:latin typeface="Helvetica" pitchFamily="2" charset="0"/>
+              </a:rPr>
+              <a:t>PET-BPAD </a:t>
+            </a:r>
+            <a:r>
+              <a:rPr lang="en-US" sz="800" dirty="0">
+                <a:latin typeface="Helvetica" pitchFamily="2" charset="0"/>
+              </a:rPr>
+              <a:t>[years]</a:t>
+            </a:r>
+          </a:p>
+        </p:txBody>
+      </p:sp>
+      <p:sp>
+        <p:nvSpPr>
+          <p:cNvPr id="23" name="Textfeld 22"/>
+          <p:cNvSpPr txBox="1"/>
+          <p:nvPr/>
+        </p:nvSpPr>
+        <p:spPr>
+          <a:xfrm>
+            <a:off x="3800181" y="3021810"/>
+            <a:ext cx="918482" cy="276999"/>
+          </a:xfrm>
+          <a:prstGeom prst="rect">
+            <a:avLst/>
+          </a:prstGeom>
+          <a:noFill/>
+        </p:spPr>
+        <p:txBody>
+          <a:bodyPr wrap="square" rtlCol="0">
+            <a:spAutoFit/>
+          </a:bodyPr>
+          <a:lstStyle/>
+          <a:p>
+            <a:r>
+              <a:rPr lang="en-US" sz="1200" b="1" dirty="0">
+                <a:solidFill>
+                  <a:srgbClr val="E0E0E0"/>
+                </a:solidFill>
+              </a:rPr>
+              <a:t>Sample 2</a:t>
+            </a:r>
+          </a:p>
+        </p:txBody>
+      </p:sp>
+      <p:sp>
+        <p:nvSpPr>
+          <p:cNvPr id="24" name="Textfeld 23"/>
+          <p:cNvSpPr txBox="1"/>
+          <p:nvPr/>
+        </p:nvSpPr>
+        <p:spPr>
+          <a:xfrm rot="16200000">
+            <a:off x="1740293" y="4254160"/>
+            <a:ext cx="3076347" cy="194925"/>
+          </a:xfrm>
+          <a:prstGeom prst="rect">
+            <a:avLst/>
+          </a:prstGeom>
+          <a:solidFill>
+            <a:schemeClr val="bg1"/>
+          </a:solidFill>
+        </p:spPr>
+        <p:txBody>
+          <a:bodyPr wrap="square" rtlCol="0">
+            <a:spAutoFit/>
+          </a:bodyPr>
+          <a:lstStyle/>
+          <a:p>
+            <a:pPr algn="ctr">
+              <a:lnSpc>
+                <a:spcPts val="844"/>
+              </a:lnSpc>
+            </a:pPr>
+            <a:r>
+              <a:rPr lang="de-DE" sz="800" dirty="0" err="1">
+                <a:latin typeface="Helvetica" pitchFamily="2" charset="0"/>
+              </a:rPr>
+              <a:t>Predicted</a:t>
+            </a:r>
+            <a:r>
+              <a:rPr lang="de-DE" sz="800" dirty="0">
+                <a:latin typeface="Helvetica" pitchFamily="2" charset="0"/>
+              </a:rPr>
+              <a:t> </a:t>
+            </a:r>
+            <a:r>
+              <a:rPr lang="de-DE" sz="800" dirty="0" err="1">
+                <a:latin typeface="Helvetica" pitchFamily="2" charset="0"/>
+              </a:rPr>
+              <a:t>Probability</a:t>
+            </a:r>
+            <a:r>
+              <a:rPr lang="de-DE" sz="800" dirty="0">
+                <a:latin typeface="Helvetica" pitchFamily="2" charset="0"/>
+              </a:rPr>
+              <a:t> </a:t>
+            </a:r>
+            <a:r>
+              <a:rPr lang="de-DE" sz="800" dirty="0" err="1">
+                <a:latin typeface="Helvetica" pitchFamily="2" charset="0"/>
+              </a:rPr>
+              <a:t>of</a:t>
+            </a:r>
+            <a:r>
+              <a:rPr lang="de-DE" sz="800" dirty="0">
+                <a:latin typeface="Helvetica" pitchFamily="2" charset="0"/>
+              </a:rPr>
+              <a:t> </a:t>
+            </a:r>
+            <a:r>
+              <a:rPr lang="de-DE" sz="800" dirty="0" err="1">
+                <a:latin typeface="Helvetica" pitchFamily="2" charset="0"/>
+              </a:rPr>
+              <a:t>Cognitive</a:t>
+            </a:r>
+            <a:r>
+              <a:rPr lang="de-DE" sz="800" dirty="0">
+                <a:latin typeface="Helvetica" pitchFamily="2" charset="0"/>
+              </a:rPr>
+              <a:t> </a:t>
+            </a:r>
+            <a:r>
+              <a:rPr lang="de-DE" sz="800" dirty="0" err="1">
+                <a:latin typeface="Helvetica" pitchFamily="2" charset="0"/>
+              </a:rPr>
+              <a:t>Decline</a:t>
+            </a:r>
+            <a:r>
+              <a:rPr lang="de-DE" sz="800" dirty="0">
+                <a:latin typeface="Helvetica" pitchFamily="2" charset="0"/>
+              </a:rPr>
+              <a:t> [%]</a:t>
+            </a:r>
+            <a:endParaRPr lang="en-US" sz="800" baseline="-25000" dirty="0">
+              <a:latin typeface="Helvetica" pitchFamily="2" charset="0"/>
+            </a:endParaRPr>
+          </a:p>
+        </p:txBody>
+      </p:sp>
+      <p:grpSp>
+        <p:nvGrpSpPr>
+          <p:cNvPr id="29" name="Gruppieren 28"/>
+          <p:cNvGrpSpPr/>
+          <p:nvPr/>
+        </p:nvGrpSpPr>
+        <p:grpSpPr>
+          <a:xfrm>
+            <a:off x="1005788" y="6244588"/>
+            <a:ext cx="4358691" cy="418017"/>
+            <a:chOff x="1005788" y="6244588"/>
+            <a:chExt cx="4358691" cy="418017"/>
+          </a:xfrm>
+        </p:grpSpPr>
+        <p:grpSp>
+          <p:nvGrpSpPr>
+            <p:cNvPr id="6" name="Gruppieren 5"/>
+            <p:cNvGrpSpPr/>
+            <p:nvPr/>
+          </p:nvGrpSpPr>
+          <p:grpSpPr>
+            <a:xfrm>
+              <a:off x="2408003" y="6244588"/>
+              <a:ext cx="2956476" cy="418017"/>
+              <a:chOff x="3416416" y="6097197"/>
+              <a:chExt cx="5255959" cy="743140"/>
+            </a:xfrm>
+          </p:grpSpPr>
+          <p:grpSp>
+            <p:nvGrpSpPr>
+              <p:cNvPr id="7" name="Gruppieren 6"/>
+              <p:cNvGrpSpPr/>
+              <p:nvPr/>
+            </p:nvGrpSpPr>
+            <p:grpSpPr>
+              <a:xfrm>
+                <a:off x="3416416" y="6129030"/>
+                <a:ext cx="2794162" cy="711307"/>
+                <a:chOff x="2688599" y="6123018"/>
+                <a:chExt cx="2794162" cy="711307"/>
+              </a:xfrm>
+            </p:grpSpPr>
+            <p:sp>
+              <p:nvSpPr>
+                <p:cNvPr id="15" name="Textfeld 14"/>
+                <p:cNvSpPr txBox="1"/>
+                <p:nvPr/>
+              </p:nvSpPr>
+              <p:spPr>
+                <a:xfrm>
+                  <a:off x="4587582" y="6123018"/>
+                  <a:ext cx="895179" cy="711307"/>
+                </a:xfrm>
+                <a:prstGeom prst="rect">
+                  <a:avLst/>
+                </a:prstGeom>
+                <a:solidFill>
+                  <a:schemeClr val="bg1"/>
+                </a:solidFill>
+              </p:spPr>
+              <p:txBody>
+                <a:bodyPr wrap="square" rtlCol="0">
+                  <a:spAutoFit/>
+                </a:bodyPr>
+                <a:lstStyle/>
+                <a:p>
+                  <a:pPr>
+                    <a:lnSpc>
+                      <a:spcPts val="844"/>
+                    </a:lnSpc>
+                  </a:pPr>
+                  <a:r>
+                    <a:rPr lang="en-US" sz="800" dirty="0">
+                      <a:latin typeface="Helvetica" pitchFamily="2" charset="0"/>
+                    </a:rPr>
+                    <a:t>CN</a:t>
+                  </a:r>
+                </a:p>
+                <a:p>
+                  <a:pPr>
+                    <a:lnSpc>
+                      <a:spcPts val="844"/>
+                    </a:lnSpc>
+                  </a:pPr>
+                  <a:r>
+                    <a:rPr lang="en-US" sz="800" dirty="0">
+                      <a:latin typeface="Helvetica" pitchFamily="2" charset="0"/>
+                    </a:rPr>
+                    <a:t>MCI</a:t>
+                  </a:r>
+                </a:p>
+                <a:p>
+                  <a:pPr>
+                    <a:lnSpc>
+                      <a:spcPts val="844"/>
+                    </a:lnSpc>
+                  </a:pPr>
+                  <a:r>
+                    <a:rPr lang="en-US" sz="800" dirty="0">
+                      <a:latin typeface="Helvetica" pitchFamily="2" charset="0"/>
+                    </a:rPr>
+                    <a:t>AD</a:t>
+                  </a:r>
+                </a:p>
+              </p:txBody>
+            </p:sp>
+            <p:sp>
+              <p:nvSpPr>
+                <p:cNvPr id="16" name="Textfeld 15"/>
+                <p:cNvSpPr txBox="1"/>
+                <p:nvPr/>
+              </p:nvSpPr>
+              <p:spPr>
+                <a:xfrm>
+                  <a:off x="2688599" y="6311564"/>
+                  <a:ext cx="1785124" cy="369332"/>
+                </a:xfrm>
+                <a:prstGeom prst="rect">
+                  <a:avLst/>
+                </a:prstGeom>
+                <a:solidFill>
+                  <a:schemeClr val="bg1"/>
+                </a:solidFill>
+              </p:spPr>
+              <p:txBody>
+                <a:bodyPr wrap="square" rtlCol="0">
+                  <a:spAutoFit/>
+                </a:bodyPr>
+                <a:lstStyle/>
+                <a:p>
+                  <a:pPr algn="r">
+                    <a:lnSpc>
+                      <a:spcPts val="900"/>
+                    </a:lnSpc>
+                  </a:pPr>
+                  <a:r>
+                    <a:rPr lang="en-US" sz="800" dirty="0">
+                      <a:latin typeface="Helvetica" pitchFamily="2" charset="0"/>
+                    </a:rPr>
+                    <a:t>DX after 2 years</a:t>
+                  </a:r>
+                </a:p>
+              </p:txBody>
+            </p:sp>
+          </p:grpSp>
+          <p:pic>
+            <p:nvPicPr>
+              <p:cNvPr id="8" name="Grafik 7"/>
+              <p:cNvPicPr>
+                <a:picLocks noChangeAspect="1"/>
+              </p:cNvPicPr>
+              <p:nvPr/>
+            </p:nvPicPr>
+            <p:blipFill rotWithShape="1">
+              <a:blip r:embed="rId4" cstate="print">
+                <a:extLst>
+                  <a:ext uri="{28A0092B-C50C-407E-A947-70E740481C1C}">
+                    <a14:useLocalDpi xmlns:a14="http://schemas.microsoft.com/office/drawing/2010/main" val="0"/>
+                  </a:ext>
+                </a:extLst>
+              </a:blip>
+              <a:srcRect l="83389" t="44538" r="14734" b="52697"/>
+              <a:stretch/>
+            </p:blipFill>
+            <p:spPr>
+              <a:xfrm>
+                <a:off x="5188165" y="6097197"/>
+                <a:ext cx="165704" cy="244090"/>
+              </a:xfrm>
+              <a:prstGeom prst="rect">
+                <a:avLst/>
+              </a:prstGeom>
+            </p:spPr>
+          </p:pic>
+          <p:sp>
+            <p:nvSpPr>
+              <p:cNvPr id="9" name="Rechteck 8"/>
+              <p:cNvSpPr/>
+              <p:nvPr/>
+            </p:nvSpPr>
+            <p:spPr>
+              <a:xfrm>
+                <a:off x="5223309" y="6406995"/>
+                <a:ext cx="93983" cy="88455"/>
+              </a:xfrm>
+              <a:prstGeom prst="rect">
+                <a:avLst/>
+              </a:prstGeom>
+              <a:solidFill>
+                <a:srgbClr val="CCD3CC"/>
+              </a:solidFill>
+              <a:ln>
+                <a:noFill/>
+              </a:ln>
+            </p:spPr>
+            <p:style>
+              <a:lnRef idx="2">
+                <a:schemeClr val="accent1">
+                  <a:shade val="50000"/>
+                </a:schemeClr>
+              </a:lnRef>
+              <a:fillRef idx="1">
+                <a:schemeClr val="accent1"/>
+              </a:fillRef>
+              <a:effectRef idx="0">
+                <a:schemeClr val="accent1"/>
+              </a:effectRef>
+              <a:fontRef idx="minor">
+                <a:schemeClr val="lt1"/>
+              </a:fontRef>
+            </p:style>
+            <p:txBody>
+              <a:bodyPr rtlCol="0" anchor="ctr"/>
+              <a:lstStyle/>
+              <a:p>
+                <a:pPr algn="ctr"/>
+                <a:endParaRPr lang="en-US" sz="800"/>
+              </a:p>
+            </p:txBody>
+          </p:sp>
+          <p:sp>
+            <p:nvSpPr>
+              <p:cNvPr id="10" name="Ellipse 9"/>
+              <p:cNvSpPr/>
+              <p:nvPr/>
+            </p:nvSpPr>
+            <p:spPr>
+              <a:xfrm>
+                <a:off x="7402199" y="6330375"/>
+                <a:ext cx="82549" cy="82549"/>
+              </a:xfrm>
+              <a:prstGeom prst="ellipse">
+                <a:avLst/>
+              </a:prstGeom>
+              <a:solidFill>
+                <a:srgbClr val="87CEFA"/>
+              </a:solidFill>
+              <a:ln>
+                <a:noFill/>
+              </a:ln>
+            </p:spPr>
+            <p:style>
+              <a:lnRef idx="2">
+                <a:schemeClr val="accent1">
+                  <a:shade val="50000"/>
+                </a:schemeClr>
+              </a:lnRef>
+              <a:fillRef idx="1">
+                <a:schemeClr val="accent1"/>
+              </a:fillRef>
+              <a:effectRef idx="0">
+                <a:schemeClr val="accent1"/>
+              </a:effectRef>
+              <a:fontRef idx="minor">
+                <a:schemeClr val="lt1"/>
+              </a:fontRef>
+            </p:style>
+            <p:txBody>
+              <a:bodyPr rtlCol="0" anchor="ctr"/>
+              <a:lstStyle/>
+              <a:p>
+                <a:pPr algn="ctr"/>
+                <a:endParaRPr lang="en-US" sz="800"/>
+              </a:p>
+            </p:txBody>
+          </p:sp>
+          <p:sp>
+            <p:nvSpPr>
+              <p:cNvPr id="12" name="Ellipse 11"/>
+              <p:cNvSpPr/>
+              <p:nvPr/>
+            </p:nvSpPr>
+            <p:spPr>
+              <a:xfrm>
+                <a:off x="7402199" y="6544179"/>
+                <a:ext cx="82549" cy="82549"/>
+              </a:xfrm>
+              <a:prstGeom prst="ellipse">
+                <a:avLst/>
+              </a:prstGeom>
+              <a:solidFill>
+                <a:srgbClr val="FFC000"/>
+              </a:solidFill>
+              <a:ln>
+                <a:noFill/>
+              </a:ln>
+            </p:spPr>
+            <p:style>
+              <a:lnRef idx="2">
+                <a:schemeClr val="accent1">
+                  <a:shade val="50000"/>
+                </a:schemeClr>
+              </a:lnRef>
+              <a:fillRef idx="1">
+                <a:schemeClr val="accent1"/>
+              </a:fillRef>
+              <a:effectRef idx="0">
+                <a:schemeClr val="accent1"/>
+              </a:effectRef>
+              <a:fontRef idx="minor">
+                <a:schemeClr val="lt1"/>
+              </a:fontRef>
+            </p:style>
+            <p:txBody>
+              <a:bodyPr rtlCol="0" anchor="ctr"/>
+              <a:lstStyle/>
+              <a:p>
+                <a:pPr algn="ctr"/>
+                <a:endParaRPr lang="en-US" sz="800"/>
+              </a:p>
+            </p:txBody>
+          </p:sp>
+          <p:sp>
+            <p:nvSpPr>
+              <p:cNvPr id="13" name="Textfeld 12"/>
+              <p:cNvSpPr txBox="1"/>
+              <p:nvPr/>
+            </p:nvSpPr>
+            <p:spPr>
+              <a:xfrm>
+                <a:off x="5916485" y="6323018"/>
+                <a:ext cx="1370580" cy="369332"/>
+              </a:xfrm>
+              <a:prstGeom prst="rect">
+                <a:avLst/>
+              </a:prstGeom>
+              <a:solidFill>
+                <a:schemeClr val="bg1"/>
+              </a:solidFill>
+            </p:spPr>
+            <p:txBody>
+              <a:bodyPr wrap="square" rtlCol="0">
+                <a:spAutoFit/>
+              </a:bodyPr>
+              <a:lstStyle/>
+              <a:p>
+                <a:pPr algn="r">
+                  <a:lnSpc>
+                    <a:spcPts val="900"/>
+                  </a:lnSpc>
+                </a:pPr>
+                <a:r>
+                  <a:rPr lang="de-DE" sz="800" dirty="0">
+                    <a:latin typeface="Helvetica" pitchFamily="2" charset="0"/>
+                  </a:rPr>
+                  <a:t>A</a:t>
+                </a:r>
+                <a:r>
+                  <a:rPr lang="el-GR" sz="800" dirty="0">
+                    <a:latin typeface="Helvetica" pitchFamily="2" charset="0"/>
+                  </a:rPr>
+                  <a:t>β</a:t>
+                </a:r>
+                <a:r>
+                  <a:rPr lang="de-DE" sz="800" dirty="0">
+                    <a:latin typeface="Helvetica" pitchFamily="2" charset="0"/>
+                  </a:rPr>
+                  <a:t> </a:t>
+                </a:r>
+                <a:r>
+                  <a:rPr lang="de-DE" sz="800" dirty="0" err="1">
+                    <a:latin typeface="Helvetica" pitchFamily="2" charset="0"/>
+                  </a:rPr>
+                  <a:t>status</a:t>
+                </a:r>
+                <a:endParaRPr lang="en-US" sz="800" dirty="0">
+                  <a:latin typeface="Helvetica" pitchFamily="2" charset="0"/>
+                </a:endParaRPr>
+              </a:p>
+            </p:txBody>
+          </p:sp>
+          <p:sp>
+            <p:nvSpPr>
+              <p:cNvPr id="14" name="Textfeld 13"/>
+              <p:cNvSpPr txBox="1"/>
+              <p:nvPr/>
+            </p:nvSpPr>
+            <p:spPr>
+              <a:xfrm>
+                <a:off x="7484746" y="6171096"/>
+                <a:ext cx="1187629" cy="601873"/>
+              </a:xfrm>
+              <a:prstGeom prst="rect">
+                <a:avLst/>
+              </a:prstGeom>
+              <a:noFill/>
+            </p:spPr>
+            <p:txBody>
+              <a:bodyPr wrap="square" rtlCol="0">
+                <a:spAutoFit/>
+              </a:bodyPr>
+              <a:lstStyle/>
+              <a:p>
+                <a:r>
+                  <a:rPr lang="en-US" sz="800" dirty="0" smtClean="0">
+                    <a:latin typeface="Helvetica" pitchFamily="2" charset="0"/>
+                  </a:rPr>
+                  <a:t>negative</a:t>
+                </a:r>
+                <a:endParaRPr lang="en-US" sz="800" dirty="0">
+                  <a:latin typeface="Helvetica" pitchFamily="2" charset="0"/>
+                </a:endParaRPr>
+              </a:p>
+              <a:p>
+                <a:r>
+                  <a:rPr lang="en-US" sz="800" dirty="0" smtClean="0">
+                    <a:latin typeface="Helvetica" pitchFamily="2" charset="0"/>
+                  </a:rPr>
+                  <a:t>positive</a:t>
+                </a:r>
+                <a:endParaRPr lang="en-US" sz="800" dirty="0">
+                  <a:latin typeface="Helvetica" pitchFamily="2" charset="0"/>
+                </a:endParaRPr>
+              </a:p>
+            </p:txBody>
+          </p:sp>
+        </p:grpSp>
+        <p:sp>
+          <p:nvSpPr>
+            <p:cNvPr id="18" name="Rechteck 17"/>
+            <p:cNvSpPr/>
+            <p:nvPr/>
+          </p:nvSpPr>
+          <p:spPr>
+            <a:xfrm rot="18900000">
+              <a:off x="3426199" y="6532487"/>
+              <a:ext cx="46419" cy="46419"/>
+            </a:xfrm>
+            <a:prstGeom prst="rect">
+              <a:avLst/>
+            </a:prstGeom>
+            <a:solidFill>
+              <a:srgbClr val="CCD3CC"/>
+            </a:solidFill>
+            <a:ln>
+              <a:noFill/>
+            </a:ln>
+          </p:spPr>
+          <p:style>
+            <a:lnRef idx="2">
+              <a:schemeClr val="accent1">
+                <a:shade val="50000"/>
+              </a:schemeClr>
+            </a:lnRef>
+            <a:fillRef idx="1">
+              <a:schemeClr val="accent1"/>
+            </a:fillRef>
+            <a:effectRef idx="0">
+              <a:schemeClr val="accent1"/>
+            </a:effectRef>
+            <a:fontRef idx="minor">
+              <a:schemeClr val="lt1"/>
+            </a:fontRef>
+          </p:style>
+          <p:txBody>
+            <a:bodyPr rtlCol="0" anchor="ctr"/>
+            <a:lstStyle/>
+            <a:p>
+              <a:pPr algn="ctr"/>
+              <a:endParaRPr lang="en-US" sz="800"/>
+            </a:p>
+          </p:txBody>
+        </p:sp>
+        <p:sp>
+          <p:nvSpPr>
+            <p:cNvPr id="25" name="Textfeld 24"/>
+            <p:cNvSpPr txBox="1"/>
+            <p:nvPr/>
+          </p:nvSpPr>
+          <p:spPr>
+            <a:xfrm>
+              <a:off x="1005788" y="6302611"/>
+              <a:ext cx="770951" cy="323165"/>
+            </a:xfrm>
+            <a:prstGeom prst="rect">
+              <a:avLst/>
+            </a:prstGeom>
+            <a:solidFill>
+              <a:schemeClr val="bg1"/>
+            </a:solidFill>
+          </p:spPr>
+          <p:txBody>
+            <a:bodyPr wrap="square" rtlCol="0">
+              <a:spAutoFit/>
+            </a:bodyPr>
+            <a:lstStyle/>
+            <a:p>
+              <a:pPr algn="r">
+                <a:lnSpc>
+                  <a:spcPts val="900"/>
+                </a:lnSpc>
+              </a:pPr>
+              <a:r>
+                <a:rPr lang="de-DE" sz="800" dirty="0" smtClean="0">
+                  <a:latin typeface="Helvetica" pitchFamily="2" charset="0"/>
+                </a:rPr>
+                <a:t>APOE-</a:t>
+              </a:r>
+              <a:r>
+                <a:rPr lang="el-GR" sz="800" dirty="0" smtClean="0">
+                  <a:latin typeface="Helvetica" pitchFamily="2" charset="0"/>
+                </a:rPr>
+                <a:t>ε</a:t>
+              </a:r>
+              <a:r>
+                <a:rPr lang="de-DE" sz="800" dirty="0" smtClean="0">
+                  <a:latin typeface="Helvetica" pitchFamily="2" charset="0"/>
+                </a:rPr>
+                <a:t>4 carriership</a:t>
+              </a:r>
+              <a:endParaRPr lang="en-US" sz="800" dirty="0">
+                <a:latin typeface="Helvetica" pitchFamily="2" charset="0"/>
+              </a:endParaRPr>
+            </a:p>
+          </p:txBody>
+        </p:sp>
+        <p:sp>
+          <p:nvSpPr>
+            <p:cNvPr id="26" name="Textfeld 25"/>
+            <p:cNvSpPr txBox="1"/>
+            <p:nvPr/>
+          </p:nvSpPr>
+          <p:spPr>
+            <a:xfrm>
+              <a:off x="1781256" y="6286152"/>
+              <a:ext cx="704583" cy="338554"/>
+            </a:xfrm>
+            <a:prstGeom prst="rect">
+              <a:avLst/>
+            </a:prstGeom>
+            <a:noFill/>
+          </p:spPr>
+          <p:txBody>
+            <a:bodyPr wrap="square" rtlCol="0">
+              <a:spAutoFit/>
+            </a:bodyPr>
+            <a:lstStyle/>
+            <a:p>
+              <a:r>
+                <a:rPr lang="en-US" sz="800" dirty="0" smtClean="0">
+                  <a:latin typeface="Helvetica" pitchFamily="2" charset="0"/>
+                </a:rPr>
+                <a:t>carrier</a:t>
+              </a:r>
+            </a:p>
+            <a:p>
+              <a:r>
+                <a:rPr lang="en-US" sz="800" dirty="0" smtClean="0">
+                  <a:latin typeface="Helvetica" pitchFamily="2" charset="0"/>
+                </a:rPr>
+                <a:t>non-carrier</a:t>
+              </a:r>
+              <a:endParaRPr lang="en-US" sz="800" dirty="0">
+                <a:latin typeface="Helvetica" pitchFamily="2" charset="0"/>
+              </a:endParaRPr>
+            </a:p>
+          </p:txBody>
+        </p:sp>
+        <p:sp>
+          <p:nvSpPr>
+            <p:cNvPr id="27" name="Ellipse 26"/>
+            <p:cNvSpPr/>
+            <p:nvPr/>
+          </p:nvSpPr>
+          <p:spPr>
+            <a:xfrm>
+              <a:off x="1769645" y="6368127"/>
+              <a:ext cx="46434" cy="46434"/>
+            </a:xfrm>
+            <a:prstGeom prst="ellipse">
+              <a:avLst/>
+            </a:prstGeom>
+            <a:solidFill>
+              <a:srgbClr val="2D2D9F"/>
+            </a:solidFill>
+            <a:ln>
+              <a:noFill/>
+            </a:ln>
+          </p:spPr>
+          <p:style>
+            <a:lnRef idx="2">
+              <a:schemeClr val="accent1">
+                <a:shade val="50000"/>
+              </a:schemeClr>
+            </a:lnRef>
+            <a:fillRef idx="1">
+              <a:schemeClr val="accent1"/>
+            </a:fillRef>
+            <a:effectRef idx="0">
+              <a:schemeClr val="accent1"/>
+            </a:effectRef>
+            <a:fontRef idx="minor">
+              <a:schemeClr val="lt1"/>
+            </a:fontRef>
+          </p:style>
+          <p:txBody>
+            <a:bodyPr rtlCol="0" anchor="ctr"/>
+            <a:lstStyle/>
+            <a:p>
+              <a:pPr algn="ctr"/>
+              <a:endParaRPr lang="en-US" sz="800"/>
+            </a:p>
+          </p:txBody>
+        </p:sp>
+        <p:sp>
+          <p:nvSpPr>
+            <p:cNvPr id="28" name="Ellipse 27"/>
+            <p:cNvSpPr/>
+            <p:nvPr/>
+          </p:nvSpPr>
+          <p:spPr>
+            <a:xfrm>
+              <a:off x="1769645" y="6497667"/>
+              <a:ext cx="46434" cy="46434"/>
+            </a:xfrm>
+            <a:prstGeom prst="ellipse">
+              <a:avLst/>
+            </a:prstGeom>
+            <a:solidFill>
+              <a:srgbClr val="EFC998"/>
+            </a:solidFill>
+            <a:ln>
+              <a:noFill/>
+            </a:ln>
+          </p:spPr>
+          <p:style>
+            <a:lnRef idx="2">
+              <a:schemeClr val="accent1">
+                <a:shade val="50000"/>
+              </a:schemeClr>
+            </a:lnRef>
+            <a:fillRef idx="1">
+              <a:schemeClr val="accent1"/>
+            </a:fillRef>
+            <a:effectRef idx="0">
+              <a:schemeClr val="accent1"/>
+            </a:effectRef>
+            <a:fontRef idx="minor">
+              <a:schemeClr val="lt1"/>
+            </a:fontRef>
+          </p:style>
+          <p:txBody>
+            <a:bodyPr rtlCol="0" anchor="ctr"/>
+            <a:lstStyle/>
+            <a:p>
+              <a:pPr algn="ctr"/>
+              <a:endParaRPr lang="en-US" sz="800"/>
+            </a:p>
+          </p:txBody>
+        </p:sp>
+      </p:grpSp>
+      <p:sp>
+        <p:nvSpPr>
+          <p:cNvPr id="32" name="Textfeld 31"/>
+          <p:cNvSpPr txBox="1"/>
+          <p:nvPr/>
+        </p:nvSpPr>
+        <p:spPr>
+          <a:xfrm>
+            <a:off x="90205" y="5884233"/>
+            <a:ext cx="665873" cy="204351"/>
+          </a:xfrm>
+          <a:prstGeom prst="rect">
+            <a:avLst/>
+          </a:prstGeom>
+          <a:noFill/>
+        </p:spPr>
+        <p:txBody>
+          <a:bodyPr wrap="square" rtlCol="0">
+            <a:spAutoFit/>
+          </a:bodyPr>
+          <a:lstStyle/>
+          <a:p>
+            <a:pPr algn="ctr">
+              <a:lnSpc>
+                <a:spcPts val="844"/>
+              </a:lnSpc>
+            </a:pPr>
+            <a:r>
+              <a:rPr lang="en-US" sz="1200" b="1" dirty="0">
+                <a:latin typeface="Helvetica" pitchFamily="2" charset="0"/>
+              </a:rPr>
+              <a:t>a</a:t>
+            </a:r>
+            <a:r>
+              <a:rPr lang="en-US" sz="1200" b="1" dirty="0" smtClean="0">
+                <a:latin typeface="Helvetica" pitchFamily="2" charset="0"/>
+              </a:rPr>
+              <a:t>)</a:t>
+            </a:r>
+            <a:endParaRPr lang="en-US" sz="1200" b="1" dirty="0">
+              <a:latin typeface="Helvetica" pitchFamily="2" charset="0"/>
+            </a:endParaRPr>
+          </a:p>
+        </p:txBody>
+      </p:sp>
+      <p:cxnSp>
+        <p:nvCxnSpPr>
+          <p:cNvPr id="34" name="Gerader Verbinder 33"/>
+          <p:cNvCxnSpPr/>
+          <p:nvPr/>
+        </p:nvCxnSpPr>
+        <p:spPr>
+          <a:xfrm>
+            <a:off x="521115" y="4346059"/>
+            <a:ext cx="2288346" cy="0"/>
+          </a:xfrm>
+          <a:prstGeom prst="line">
+            <a:avLst/>
+          </a:prstGeom>
+          <a:ln w="19050">
+            <a:solidFill>
+              <a:schemeClr val="bg1">
+                <a:lumMod val="75000"/>
+              </a:schemeClr>
+            </a:solidFill>
+            <a:prstDash val="sysDot"/>
+          </a:ln>
+        </p:spPr>
+        <p:style>
+          <a:lnRef idx="1">
+            <a:schemeClr val="accent1"/>
+          </a:lnRef>
+          <a:fillRef idx="0">
+            <a:schemeClr val="accent1"/>
+          </a:fillRef>
+          <a:effectRef idx="0">
+            <a:schemeClr val="accent1"/>
+          </a:effectRef>
+          <a:fontRef idx="minor">
+            <a:schemeClr val="tx1"/>
+          </a:fontRef>
+        </p:style>
+      </p:cxnSp>
+      <p:cxnSp>
+        <p:nvCxnSpPr>
+          <p:cNvPr id="40" name="Gerader Verbinder 39"/>
+          <p:cNvCxnSpPr/>
+          <p:nvPr/>
+        </p:nvCxnSpPr>
+        <p:spPr>
+          <a:xfrm>
+            <a:off x="3531015" y="4329953"/>
+            <a:ext cx="2319820" cy="0"/>
+          </a:xfrm>
+          <a:prstGeom prst="line">
+            <a:avLst/>
+          </a:prstGeom>
+          <a:ln w="19050">
+            <a:solidFill>
+              <a:schemeClr val="bg1">
+                <a:lumMod val="75000"/>
+              </a:schemeClr>
+            </a:solidFill>
+            <a:prstDash val="sysDot"/>
+          </a:ln>
+        </p:spPr>
+        <p:style>
+          <a:lnRef idx="1">
+            <a:schemeClr val="accent1"/>
+          </a:lnRef>
+          <a:fillRef idx="0">
+            <a:schemeClr val="accent1"/>
+          </a:fillRef>
+          <a:effectRef idx="0">
+            <a:schemeClr val="accent1"/>
+          </a:effectRef>
+          <a:fontRef idx="minor">
+            <a:schemeClr val="tx1"/>
+          </a:fontRef>
+        </p:style>
+      </p:cxnSp>
+    </p:spTree>
+    <p:extLst>
+      <p:ext uri="{BB962C8B-B14F-4D97-AF65-F5344CB8AC3E}">
+        <p14:creationId xmlns:p14="http://schemas.microsoft.com/office/powerpoint/2010/main" val="26060638"/>
+      </p:ext>
+    </p:extLst>
+  </p:cSld>
+  <p:clrMapOvr>
+    <a:masterClrMapping/>
+  </p:clrMapOvr>
+</p:sld>
+</file>
+
+<file path=ppt/slides/slide8.xml><?xml version="1.0" encoding="utf-8"?>
 <p:sld xmlns:a="http://schemas.openxmlformats.org/drawingml/2006/main" xmlns:r="http://schemas.openxmlformats.org/officeDocument/2006/relationships" xmlns:p="http://schemas.openxmlformats.org/presentationml/2006/main">
   <p:cSld>
     <p:spTree>
@@ -6380,9 +10180,6 @@
                     </a:rPr>
                     <a:t>DX after 2 years</a:t>
                   </a:r>
-                  <a:endParaRPr lang="en-US" sz="800" dirty="0">
-                    <a:latin typeface="Helvetica" pitchFamily="2" charset="0"/>
-                  </a:endParaRPr>
                 </a:p>
               </p:txBody>
             </p:sp>
@@ -6836,9 +10633,6 @@
               </a:rPr>
               <a:t>MRI-BPAD [years]</a:t>
             </a:r>
-            <a:endParaRPr lang="en-US" sz="800" dirty="0">
-              <a:latin typeface="Helvetica" pitchFamily="2" charset="0"/>
-            </a:endParaRPr>
           </a:p>
         </p:txBody>
       </p:sp>
@@ -6872,11 +10666,6 @@
               </a:rPr>
               <a:t>Sample 1</a:t>
             </a:r>
-            <a:endParaRPr lang="en-US" sz="1205" b="1" dirty="0">
-              <a:solidFill>
-                <a:srgbClr val="E0E0E0"/>
-              </a:solidFill>
-            </a:endParaRPr>
           </a:p>
         </p:txBody>
       </p:sp>
@@ -7103,11 +10892,6 @@
               </a:rPr>
               <a:t>Sample 2</a:t>
             </a:r>
-            <a:endParaRPr lang="en-US" sz="1205" b="1" dirty="0">
-              <a:solidFill>
-                <a:srgbClr val="E0E0E0"/>
-              </a:solidFill>
-            </a:endParaRPr>
           </a:p>
         </p:txBody>
       </p:sp>
@@ -7215,9 +10999,6 @@
               </a:rPr>
               <a:t>MRI-BPAD [years]</a:t>
             </a:r>
-            <a:endParaRPr lang="en-US" sz="800" dirty="0">
-              <a:latin typeface="Helvetica" pitchFamily="2" charset="0"/>
-            </a:endParaRPr>
           </a:p>
         </p:txBody>
       </p:sp>
@@ -7504,9 +11285,6 @@
               </a:rPr>
               <a:t>MRI-BPAD [years]</a:t>
             </a:r>
-            <a:endParaRPr lang="en-US" sz="800" dirty="0">
-              <a:latin typeface="Helvetica" pitchFamily="2" charset="0"/>
-            </a:endParaRPr>
           </a:p>
         </p:txBody>
       </p:sp>
@@ -7545,9 +11323,6 @@
               </a:rPr>
               <a:t>MRI-BPAD [years]</a:t>
             </a:r>
-            <a:endParaRPr lang="en-US" sz="800" dirty="0">
-              <a:latin typeface="Helvetica" pitchFamily="2" charset="0"/>
-            </a:endParaRPr>
           </a:p>
         </p:txBody>
       </p:sp>
@@ -7797,11 +11572,6 @@
               </a:rPr>
               <a:t>Sample 1</a:t>
             </a:r>
-            <a:endParaRPr lang="en-US" sz="1205" b="1" dirty="0">
-              <a:solidFill>
-                <a:srgbClr val="E0E0E0"/>
-              </a:solidFill>
-            </a:endParaRPr>
           </a:p>
         </p:txBody>
       </p:sp>
@@ -7835,11 +11605,6 @@
               </a:rPr>
               <a:t>Sample 2</a:t>
             </a:r>
-            <a:endParaRPr lang="en-US" sz="1205" b="1" dirty="0">
-              <a:solidFill>
-                <a:srgbClr val="E0E0E0"/>
-              </a:solidFill>
-            </a:endParaRPr>
           </a:p>
         </p:txBody>
       </p:sp>
@@ -7876,9 +11641,6 @@
               </a:rPr>
               <a:t>a)</a:t>
             </a:r>
-            <a:endParaRPr lang="en-US" sz="1200" b="1" dirty="0">
-              <a:latin typeface="Helvetica" pitchFamily="2" charset="0"/>
-            </a:endParaRPr>
           </a:p>
         </p:txBody>
       </p:sp>
@@ -7913,17 +11675,8 @@
               <a:rPr lang="en-US" sz="1200" b="1" dirty="0">
                 <a:latin typeface="Helvetica" pitchFamily="2" charset="0"/>
               </a:rPr>
-              <a:t>b</a:t>
-            </a:r>
-            <a:r>
-              <a:rPr lang="en-US" sz="1200" b="1" dirty="0">
-                <a:latin typeface="Helvetica" pitchFamily="2" charset="0"/>
-              </a:rPr>
-              <a:t>)</a:t>
-            </a:r>
-            <a:endParaRPr lang="en-US" sz="1200" b="1" dirty="0">
-              <a:latin typeface="Helvetica" pitchFamily="2" charset="0"/>
-            </a:endParaRPr>
+              <a:t>b)</a:t>
+            </a:r>
           </a:p>
         </p:txBody>
       </p:sp>
@@ -7960,9 +11713,6 @@
               </a:rPr>
               <a:t>c)</a:t>
             </a:r>
-            <a:endParaRPr lang="en-US" sz="1200" b="1" dirty="0">
-              <a:latin typeface="Helvetica" pitchFamily="2" charset="0"/>
-            </a:endParaRPr>
           </a:p>
         </p:txBody>
       </p:sp>
@@ -7999,9 +11749,6 @@
               </a:rPr>
               <a:t>d)</a:t>
             </a:r>
-            <a:endParaRPr lang="en-US" sz="1200" b="1" dirty="0">
-              <a:latin typeface="Helvetica" pitchFamily="2" charset="0"/>
-            </a:endParaRPr>
           </a:p>
         </p:txBody>
       </p:sp>
@@ -8009,6 +11756,821 @@
     <p:extLst>
       <p:ext uri="{BB962C8B-B14F-4D97-AF65-F5344CB8AC3E}">
         <p14:creationId xmlns:p14="http://schemas.microsoft.com/office/powerpoint/2010/main" val="1970910453"/>
+      </p:ext>
+    </p:extLst>
+  </p:cSld>
+  <p:clrMapOvr>
+    <a:masterClrMapping/>
+  </p:clrMapOvr>
+</p:sld>
+</file>
+
+<file path=ppt/slides/slide9.xml><?xml version="1.0" encoding="utf-8"?>
+<p:sld xmlns:a="http://schemas.openxmlformats.org/drawingml/2006/main" xmlns:r="http://schemas.openxmlformats.org/officeDocument/2006/relationships" xmlns:p="http://schemas.openxmlformats.org/presentationml/2006/main">
+  <p:cSld>
+    <p:spTree>
+      <p:nvGrpSpPr>
+        <p:cNvPr id="1" name=""/>
+        <p:cNvGrpSpPr/>
+        <p:nvPr/>
+      </p:nvGrpSpPr>
+      <p:grpSpPr>
+        <a:xfrm>
+          <a:off x="0" y="0"/>
+          <a:ext cx="0" cy="0"/>
+          <a:chOff x="0" y="0"/>
+          <a:chExt cx="0" cy="0"/>
+        </a:xfrm>
+      </p:grpSpPr>
+      <p:pic>
+        <p:nvPicPr>
+          <p:cNvPr id="10" name="Grafik 9"/>
+          <p:cNvPicPr>
+            <a:picLocks noChangeAspect="1"/>
+          </p:cNvPicPr>
+          <p:nvPr/>
+        </p:nvPicPr>
+        <p:blipFill rotWithShape="1">
+          <a:blip r:embed="rId2" cstate="print">
+            <a:extLst>
+              <a:ext uri="{28A0092B-C50C-407E-A947-70E740481C1C}">
+                <a14:useLocalDpi xmlns:a14="http://schemas.microsoft.com/office/drawing/2010/main" val="0"/>
+              </a:ext>
+            </a:extLst>
+          </a:blip>
+          <a:srcRect l="9949"/>
+          <a:stretch/>
+        </p:blipFill>
+        <p:spPr>
+          <a:xfrm>
+            <a:off x="3477986" y="2993570"/>
+            <a:ext cx="2641827" cy="2933701"/>
+          </a:xfrm>
+          <a:prstGeom prst="rect">
+            <a:avLst/>
+          </a:prstGeom>
+        </p:spPr>
+      </p:pic>
+      <p:pic>
+        <p:nvPicPr>
+          <p:cNvPr id="9" name="Grafik 8"/>
+          <p:cNvPicPr>
+            <a:picLocks noChangeAspect="1"/>
+          </p:cNvPicPr>
+          <p:nvPr/>
+        </p:nvPicPr>
+        <p:blipFill>
+          <a:blip r:embed="rId3" cstate="print">
+            <a:extLst>
+              <a:ext uri="{28A0092B-C50C-407E-A947-70E740481C1C}">
+                <a14:useLocalDpi xmlns:a14="http://schemas.microsoft.com/office/drawing/2010/main" val="0"/>
+              </a:ext>
+            </a:extLst>
+          </a:blip>
+          <a:stretch>
+            <a:fillRect/>
+          </a:stretch>
+        </p:blipFill>
+        <p:spPr>
+          <a:xfrm>
+            <a:off x="529996" y="2993570"/>
+            <a:ext cx="2933701" cy="2933701"/>
+          </a:xfrm>
+          <a:prstGeom prst="rect">
+            <a:avLst/>
+          </a:prstGeom>
+        </p:spPr>
+      </p:pic>
+      <p:sp>
+        <p:nvSpPr>
+          <p:cNvPr id="12" name="Rechteck 11"/>
+          <p:cNvSpPr/>
+          <p:nvPr/>
+        </p:nvSpPr>
+        <p:spPr>
+          <a:xfrm>
+            <a:off x="-217714" y="2634343"/>
+            <a:ext cx="1027979" cy="3292928"/>
+          </a:xfrm>
+          <a:prstGeom prst="rect">
+            <a:avLst/>
+          </a:prstGeom>
+          <a:solidFill>
+            <a:schemeClr val="bg1"/>
+          </a:solidFill>
+          <a:ln>
+            <a:noFill/>
+          </a:ln>
+        </p:spPr>
+        <p:style>
+          <a:lnRef idx="2">
+            <a:schemeClr val="accent1">
+              <a:shade val="50000"/>
+            </a:schemeClr>
+          </a:lnRef>
+          <a:fillRef idx="1">
+            <a:schemeClr val="accent1"/>
+          </a:fillRef>
+          <a:effectRef idx="0">
+            <a:schemeClr val="accent1"/>
+          </a:effectRef>
+          <a:fontRef idx="minor">
+            <a:schemeClr val="lt1"/>
+          </a:fontRef>
+        </p:style>
+        <p:txBody>
+          <a:bodyPr rtlCol="0" anchor="ctr"/>
+          <a:lstStyle/>
+          <a:p>
+            <a:pPr algn="ctr"/>
+            <a:endParaRPr lang="en-US"/>
+          </a:p>
+        </p:txBody>
+      </p:sp>
+      <p:sp>
+        <p:nvSpPr>
+          <p:cNvPr id="11" name="Textfeld 10"/>
+          <p:cNvSpPr txBox="1"/>
+          <p:nvPr/>
+        </p:nvSpPr>
+        <p:spPr>
+          <a:xfrm>
+            <a:off x="-81713" y="3172289"/>
+            <a:ext cx="897421" cy="2491836"/>
+          </a:xfrm>
+          <a:prstGeom prst="rect">
+            <a:avLst/>
+          </a:prstGeom>
+          <a:noFill/>
+        </p:spPr>
+        <p:txBody>
+          <a:bodyPr wrap="square" rtlCol="0">
+            <a:spAutoFit/>
+          </a:bodyPr>
+          <a:lstStyle/>
+          <a:p>
+            <a:pPr algn="r">
+              <a:lnSpc>
+                <a:spcPct val="110000"/>
+              </a:lnSpc>
+            </a:pPr>
+            <a:r>
+              <a:rPr lang="en-US" sz="675" dirty="0">
+                <a:latin typeface="Helvetica" pitchFamily="2" charset="0"/>
+              </a:rPr>
+              <a:t>Education</a:t>
+            </a:r>
+          </a:p>
+          <a:p>
+            <a:pPr algn="r">
+              <a:lnSpc>
+                <a:spcPct val="110000"/>
+              </a:lnSpc>
+            </a:pPr>
+            <a:endParaRPr lang="en-US" sz="675" dirty="0">
+              <a:latin typeface="Helvetica" pitchFamily="2" charset="0"/>
+            </a:endParaRPr>
+          </a:p>
+          <a:p>
+            <a:pPr algn="r">
+              <a:lnSpc>
+                <a:spcPct val="110000"/>
+              </a:lnSpc>
+            </a:pPr>
+            <a:endParaRPr lang="en-US" sz="675" dirty="0">
+              <a:latin typeface="Helvetica" pitchFamily="2" charset="0"/>
+            </a:endParaRPr>
+          </a:p>
+          <a:p>
+            <a:pPr algn="r">
+              <a:lnSpc>
+                <a:spcPct val="110000"/>
+              </a:lnSpc>
+            </a:pPr>
+            <a:endParaRPr lang="en-US" sz="675" dirty="0">
+              <a:latin typeface="Helvetica" pitchFamily="2" charset="0"/>
+            </a:endParaRPr>
+          </a:p>
+          <a:p>
+            <a:pPr algn="r">
+              <a:lnSpc>
+                <a:spcPct val="110000"/>
+              </a:lnSpc>
+            </a:pPr>
+            <a:r>
+              <a:rPr lang="en-US" sz="675" dirty="0">
+                <a:latin typeface="Helvetica" pitchFamily="2" charset="0"/>
+              </a:rPr>
+              <a:t>PET-BPAD</a:t>
+            </a:r>
+          </a:p>
+          <a:p>
+            <a:pPr algn="r">
+              <a:lnSpc>
+                <a:spcPct val="110000"/>
+              </a:lnSpc>
+            </a:pPr>
+            <a:endParaRPr lang="en-US" sz="675" dirty="0">
+              <a:latin typeface="Helvetica" pitchFamily="2" charset="0"/>
+            </a:endParaRPr>
+          </a:p>
+          <a:p>
+            <a:pPr algn="r">
+              <a:lnSpc>
+                <a:spcPct val="110000"/>
+              </a:lnSpc>
+            </a:pPr>
+            <a:endParaRPr lang="en-US" sz="675" dirty="0">
+              <a:latin typeface="Helvetica" pitchFamily="2" charset="0"/>
+            </a:endParaRPr>
+          </a:p>
+          <a:p>
+            <a:pPr algn="r">
+              <a:lnSpc>
+                <a:spcPct val="110000"/>
+              </a:lnSpc>
+            </a:pPr>
+            <a:endParaRPr lang="en-US" sz="675" dirty="0">
+              <a:latin typeface="Helvetica" pitchFamily="2" charset="0"/>
+            </a:endParaRPr>
+          </a:p>
+          <a:p>
+            <a:pPr algn="r">
+              <a:lnSpc>
+                <a:spcPct val="110000"/>
+              </a:lnSpc>
+            </a:pPr>
+            <a:r>
+              <a:rPr lang="en-US" sz="675" dirty="0">
+                <a:latin typeface="Helvetica" pitchFamily="2" charset="0"/>
+              </a:rPr>
+              <a:t>MRI-BPAD</a:t>
+            </a:r>
+          </a:p>
+          <a:p>
+            <a:pPr algn="r">
+              <a:lnSpc>
+                <a:spcPct val="110000"/>
+              </a:lnSpc>
+            </a:pPr>
+            <a:endParaRPr lang="en-US" sz="675" dirty="0">
+              <a:latin typeface="Helvetica" pitchFamily="2" charset="0"/>
+            </a:endParaRPr>
+          </a:p>
+          <a:p>
+            <a:pPr algn="r">
+              <a:lnSpc>
+                <a:spcPct val="110000"/>
+              </a:lnSpc>
+            </a:pPr>
+            <a:endParaRPr lang="en-US" sz="675" dirty="0">
+              <a:latin typeface="Helvetica" pitchFamily="2" charset="0"/>
+            </a:endParaRPr>
+          </a:p>
+          <a:p>
+            <a:pPr algn="r">
+              <a:lnSpc>
+                <a:spcPct val="110000"/>
+              </a:lnSpc>
+            </a:pPr>
+            <a:endParaRPr lang="en-US" sz="675" dirty="0">
+              <a:latin typeface="Helvetica" pitchFamily="2" charset="0"/>
+            </a:endParaRPr>
+          </a:p>
+          <a:p>
+            <a:pPr algn="r">
+              <a:lnSpc>
+                <a:spcPct val="110000"/>
+              </a:lnSpc>
+            </a:pPr>
+            <a:r>
+              <a:rPr lang="en-US" sz="675" dirty="0">
+                <a:latin typeface="Helvetica" pitchFamily="2" charset="0"/>
+              </a:rPr>
+              <a:t>APOE-e4 carrier</a:t>
+            </a:r>
+          </a:p>
+          <a:p>
+            <a:pPr algn="r">
+              <a:lnSpc>
+                <a:spcPct val="110000"/>
+              </a:lnSpc>
+            </a:pPr>
+            <a:endParaRPr lang="en-US" sz="675" dirty="0">
+              <a:latin typeface="Helvetica" pitchFamily="2" charset="0"/>
+            </a:endParaRPr>
+          </a:p>
+          <a:p>
+            <a:pPr algn="r">
+              <a:lnSpc>
+                <a:spcPct val="110000"/>
+              </a:lnSpc>
+            </a:pPr>
+            <a:endParaRPr lang="en-US" sz="675" dirty="0">
+              <a:latin typeface="Helvetica" pitchFamily="2" charset="0"/>
+            </a:endParaRPr>
+          </a:p>
+          <a:p>
+            <a:pPr algn="r">
+              <a:lnSpc>
+                <a:spcPct val="110000"/>
+              </a:lnSpc>
+            </a:pPr>
+            <a:endParaRPr lang="en-US" sz="675" dirty="0">
+              <a:latin typeface="Helvetica" pitchFamily="2" charset="0"/>
+            </a:endParaRPr>
+          </a:p>
+          <a:p>
+            <a:pPr algn="r">
+              <a:lnSpc>
+                <a:spcPct val="110000"/>
+              </a:lnSpc>
+            </a:pPr>
+            <a:r>
+              <a:rPr lang="en-US" sz="675" dirty="0">
+                <a:latin typeface="Helvetica" pitchFamily="2" charset="0"/>
+              </a:rPr>
+              <a:t>A</a:t>
+            </a:r>
+            <a:r>
+              <a:rPr lang="el-GR" sz="675" dirty="0">
+                <a:latin typeface="Helvetica" pitchFamily="2" charset="0"/>
+              </a:rPr>
+              <a:t>β</a:t>
+            </a:r>
+            <a:r>
+              <a:rPr lang="de-DE" sz="675" dirty="0">
+                <a:latin typeface="Helvetica" pitchFamily="2" charset="0"/>
+              </a:rPr>
+              <a:t>+</a:t>
+            </a:r>
+          </a:p>
+          <a:p>
+            <a:pPr algn="r">
+              <a:lnSpc>
+                <a:spcPct val="110000"/>
+              </a:lnSpc>
+            </a:pPr>
+            <a:endParaRPr lang="de-DE" sz="675" dirty="0">
+              <a:latin typeface="Helvetica" pitchFamily="2" charset="0"/>
+            </a:endParaRPr>
+          </a:p>
+          <a:p>
+            <a:pPr algn="r">
+              <a:lnSpc>
+                <a:spcPct val="110000"/>
+              </a:lnSpc>
+            </a:pPr>
+            <a:endParaRPr lang="de-DE" sz="675" dirty="0">
+              <a:latin typeface="Helvetica" pitchFamily="2" charset="0"/>
+            </a:endParaRPr>
+          </a:p>
+          <a:p>
+            <a:pPr algn="r">
+              <a:lnSpc>
+                <a:spcPct val="110000"/>
+              </a:lnSpc>
+            </a:pPr>
+            <a:endParaRPr lang="de-DE" sz="675" dirty="0">
+              <a:latin typeface="Helvetica" pitchFamily="2" charset="0"/>
+            </a:endParaRPr>
+          </a:p>
+          <a:p>
+            <a:pPr algn="r">
+              <a:lnSpc>
+                <a:spcPct val="110000"/>
+              </a:lnSpc>
+            </a:pPr>
+            <a:r>
+              <a:rPr lang="de-DE" sz="675" dirty="0">
+                <a:latin typeface="Helvetica" pitchFamily="2" charset="0"/>
+              </a:rPr>
+              <a:t>A</a:t>
+            </a:r>
+            <a:r>
+              <a:rPr lang="el-GR" sz="675" dirty="0">
+                <a:latin typeface="Helvetica" pitchFamily="2" charset="0"/>
+              </a:rPr>
+              <a:t>β</a:t>
+            </a:r>
+            <a:r>
+              <a:rPr lang="de-DE" sz="675" dirty="0">
+                <a:latin typeface="Helvetica" pitchFamily="2" charset="0"/>
+              </a:rPr>
+              <a:t> NA</a:t>
+            </a:r>
+            <a:endParaRPr lang="en-US" sz="675" dirty="0">
+              <a:latin typeface="Helvetica" pitchFamily="2" charset="0"/>
+            </a:endParaRPr>
+          </a:p>
+        </p:txBody>
+      </p:sp>
+      <p:sp>
+        <p:nvSpPr>
+          <p:cNvPr id="13" name="Ellipse 12"/>
+          <p:cNvSpPr/>
+          <p:nvPr/>
+        </p:nvSpPr>
+        <p:spPr>
+          <a:xfrm>
+            <a:off x="1101725" y="3257549"/>
+            <a:ext cx="57150" cy="60325"/>
+          </a:xfrm>
+          <a:prstGeom prst="ellipse">
+            <a:avLst/>
+          </a:prstGeom>
+          <a:solidFill>
+            <a:schemeClr val="bg1">
+              <a:lumMod val="85000"/>
+            </a:schemeClr>
+          </a:solidFill>
+          <a:ln>
+            <a:noFill/>
+          </a:ln>
+        </p:spPr>
+        <p:style>
+          <a:lnRef idx="2">
+            <a:schemeClr val="accent1">
+              <a:shade val="50000"/>
+            </a:schemeClr>
+          </a:lnRef>
+          <a:fillRef idx="1">
+            <a:schemeClr val="accent1"/>
+          </a:fillRef>
+          <a:effectRef idx="0">
+            <a:schemeClr val="accent1"/>
+          </a:effectRef>
+          <a:fontRef idx="minor">
+            <a:schemeClr val="lt1"/>
+          </a:fontRef>
+        </p:style>
+        <p:txBody>
+          <a:bodyPr rtlCol="0" anchor="ctr"/>
+          <a:lstStyle/>
+          <a:p>
+            <a:pPr algn="ctr"/>
+            <a:endParaRPr lang="en-US"/>
+          </a:p>
+        </p:txBody>
+      </p:sp>
+      <p:sp>
+        <p:nvSpPr>
+          <p:cNvPr id="14" name="Ellipse 13"/>
+          <p:cNvSpPr/>
+          <p:nvPr/>
+        </p:nvSpPr>
+        <p:spPr>
+          <a:xfrm>
+            <a:off x="3806825" y="3257549"/>
+            <a:ext cx="57150" cy="60325"/>
+          </a:xfrm>
+          <a:prstGeom prst="ellipse">
+            <a:avLst/>
+          </a:prstGeom>
+          <a:solidFill>
+            <a:schemeClr val="bg1">
+              <a:lumMod val="85000"/>
+            </a:schemeClr>
+          </a:solidFill>
+          <a:ln>
+            <a:noFill/>
+          </a:ln>
+        </p:spPr>
+        <p:style>
+          <a:lnRef idx="2">
+            <a:schemeClr val="accent1">
+              <a:shade val="50000"/>
+            </a:schemeClr>
+          </a:lnRef>
+          <a:fillRef idx="1">
+            <a:schemeClr val="accent1"/>
+          </a:fillRef>
+          <a:effectRef idx="0">
+            <a:schemeClr val="accent1"/>
+          </a:effectRef>
+          <a:fontRef idx="minor">
+            <a:schemeClr val="lt1"/>
+          </a:fontRef>
+        </p:style>
+        <p:txBody>
+          <a:bodyPr rtlCol="0" anchor="ctr"/>
+          <a:lstStyle/>
+          <a:p>
+            <a:pPr algn="ctr"/>
+            <a:endParaRPr lang="en-US"/>
+          </a:p>
+        </p:txBody>
+      </p:sp>
+      <p:sp>
+        <p:nvSpPr>
+          <p:cNvPr id="15" name="Ellipse 14"/>
+          <p:cNvSpPr/>
+          <p:nvPr/>
+        </p:nvSpPr>
+        <p:spPr>
+          <a:xfrm>
+            <a:off x="1130300" y="3702049"/>
+            <a:ext cx="57150" cy="60325"/>
+          </a:xfrm>
+          <a:prstGeom prst="ellipse">
+            <a:avLst/>
+          </a:prstGeom>
+          <a:solidFill>
+            <a:schemeClr val="bg1">
+              <a:lumMod val="85000"/>
+            </a:schemeClr>
+          </a:solidFill>
+          <a:ln>
+            <a:noFill/>
+          </a:ln>
+        </p:spPr>
+        <p:style>
+          <a:lnRef idx="2">
+            <a:schemeClr val="accent1">
+              <a:shade val="50000"/>
+            </a:schemeClr>
+          </a:lnRef>
+          <a:fillRef idx="1">
+            <a:schemeClr val="accent1"/>
+          </a:fillRef>
+          <a:effectRef idx="0">
+            <a:schemeClr val="accent1"/>
+          </a:effectRef>
+          <a:fontRef idx="minor">
+            <a:schemeClr val="lt1"/>
+          </a:fontRef>
+        </p:style>
+        <p:txBody>
+          <a:bodyPr rtlCol="0" anchor="ctr"/>
+          <a:lstStyle/>
+          <a:p>
+            <a:pPr algn="ctr"/>
+            <a:endParaRPr lang="en-US"/>
+          </a:p>
+        </p:txBody>
+      </p:sp>
+      <p:sp>
+        <p:nvSpPr>
+          <p:cNvPr id="16" name="Ellipse 15"/>
+          <p:cNvSpPr/>
+          <p:nvPr/>
+        </p:nvSpPr>
+        <p:spPr>
+          <a:xfrm>
+            <a:off x="3870325" y="3702049"/>
+            <a:ext cx="57150" cy="60325"/>
+          </a:xfrm>
+          <a:prstGeom prst="ellipse">
+            <a:avLst/>
+          </a:prstGeom>
+          <a:solidFill>
+            <a:schemeClr val="bg1">
+              <a:lumMod val="85000"/>
+            </a:schemeClr>
+          </a:solidFill>
+          <a:ln>
+            <a:noFill/>
+          </a:ln>
+        </p:spPr>
+        <p:style>
+          <a:lnRef idx="2">
+            <a:schemeClr val="accent1">
+              <a:shade val="50000"/>
+            </a:schemeClr>
+          </a:lnRef>
+          <a:fillRef idx="1">
+            <a:schemeClr val="accent1"/>
+          </a:fillRef>
+          <a:effectRef idx="0">
+            <a:schemeClr val="accent1"/>
+          </a:effectRef>
+          <a:fontRef idx="minor">
+            <a:schemeClr val="lt1"/>
+          </a:fontRef>
+        </p:style>
+        <p:txBody>
+          <a:bodyPr rtlCol="0" anchor="ctr"/>
+          <a:lstStyle/>
+          <a:p>
+            <a:pPr algn="ctr"/>
+            <a:endParaRPr lang="en-US"/>
+          </a:p>
+        </p:txBody>
+      </p:sp>
+      <p:sp>
+        <p:nvSpPr>
+          <p:cNvPr id="21" name="Ellipse 20"/>
+          <p:cNvSpPr/>
+          <p:nvPr/>
+        </p:nvSpPr>
+        <p:spPr>
+          <a:xfrm>
+            <a:off x="4034131" y="5051424"/>
+            <a:ext cx="57150" cy="60325"/>
+          </a:xfrm>
+          <a:prstGeom prst="ellipse">
+            <a:avLst/>
+          </a:prstGeom>
+          <a:solidFill>
+            <a:schemeClr val="bg1">
+              <a:lumMod val="85000"/>
+            </a:schemeClr>
+          </a:solidFill>
+          <a:ln>
+            <a:noFill/>
+          </a:ln>
+        </p:spPr>
+        <p:style>
+          <a:lnRef idx="2">
+            <a:schemeClr val="accent1">
+              <a:shade val="50000"/>
+            </a:schemeClr>
+          </a:lnRef>
+          <a:fillRef idx="1">
+            <a:schemeClr val="accent1"/>
+          </a:fillRef>
+          <a:effectRef idx="0">
+            <a:schemeClr val="accent1"/>
+          </a:effectRef>
+          <a:fontRef idx="minor">
+            <a:schemeClr val="lt1"/>
+          </a:fontRef>
+        </p:style>
+        <p:txBody>
+          <a:bodyPr rtlCol="0" anchor="ctr"/>
+          <a:lstStyle/>
+          <a:p>
+            <a:pPr algn="ctr"/>
+            <a:endParaRPr lang="en-US"/>
+          </a:p>
+        </p:txBody>
+      </p:sp>
+      <p:sp>
+        <p:nvSpPr>
+          <p:cNvPr id="22" name="Ellipse 21"/>
+          <p:cNvSpPr/>
+          <p:nvPr/>
+        </p:nvSpPr>
+        <p:spPr>
+          <a:xfrm>
+            <a:off x="3691231" y="5499099"/>
+            <a:ext cx="57150" cy="60325"/>
+          </a:xfrm>
+          <a:prstGeom prst="ellipse">
+            <a:avLst/>
+          </a:prstGeom>
+          <a:solidFill>
+            <a:schemeClr val="bg1">
+              <a:lumMod val="85000"/>
+            </a:schemeClr>
+          </a:solidFill>
+          <a:ln>
+            <a:noFill/>
+          </a:ln>
+        </p:spPr>
+        <p:style>
+          <a:lnRef idx="2">
+            <a:schemeClr val="accent1">
+              <a:shade val="50000"/>
+            </a:schemeClr>
+          </a:lnRef>
+          <a:fillRef idx="1">
+            <a:schemeClr val="accent1"/>
+          </a:fillRef>
+          <a:effectRef idx="0">
+            <a:schemeClr val="accent1"/>
+          </a:effectRef>
+          <a:fontRef idx="minor">
+            <a:schemeClr val="lt1"/>
+          </a:fontRef>
+        </p:style>
+        <p:txBody>
+          <a:bodyPr rtlCol="0" anchor="ctr"/>
+          <a:lstStyle/>
+          <a:p>
+            <a:pPr algn="ctr"/>
+            <a:endParaRPr lang="en-US"/>
+          </a:p>
+        </p:txBody>
+      </p:sp>
+      <p:sp>
+        <p:nvSpPr>
+          <p:cNvPr id="23" name="Ellipse 22"/>
+          <p:cNvSpPr/>
+          <p:nvPr/>
+        </p:nvSpPr>
+        <p:spPr>
+          <a:xfrm>
+            <a:off x="1177925" y="5499099"/>
+            <a:ext cx="57150" cy="60325"/>
+          </a:xfrm>
+          <a:prstGeom prst="ellipse">
+            <a:avLst/>
+          </a:prstGeom>
+          <a:solidFill>
+            <a:schemeClr val="bg1">
+              <a:lumMod val="85000"/>
+            </a:schemeClr>
+          </a:solidFill>
+          <a:ln>
+            <a:noFill/>
+          </a:ln>
+        </p:spPr>
+        <p:style>
+          <a:lnRef idx="2">
+            <a:schemeClr val="accent1">
+              <a:shade val="50000"/>
+            </a:schemeClr>
+          </a:lnRef>
+          <a:fillRef idx="1">
+            <a:schemeClr val="accent1"/>
+          </a:fillRef>
+          <a:effectRef idx="0">
+            <a:schemeClr val="accent1"/>
+          </a:effectRef>
+          <a:fontRef idx="minor">
+            <a:schemeClr val="lt1"/>
+          </a:fontRef>
+        </p:style>
+        <p:txBody>
+          <a:bodyPr rtlCol="0" anchor="ctr"/>
+          <a:lstStyle/>
+          <a:p>
+            <a:pPr algn="ctr"/>
+            <a:endParaRPr lang="en-US"/>
+          </a:p>
+        </p:txBody>
+      </p:sp>
+      <p:sp>
+        <p:nvSpPr>
+          <p:cNvPr id="24" name="Textfeld 23"/>
+          <p:cNvSpPr txBox="1"/>
+          <p:nvPr/>
+        </p:nvSpPr>
+        <p:spPr>
+          <a:xfrm>
+            <a:off x="5282218" y="3047651"/>
+            <a:ext cx="918482" cy="300082"/>
+          </a:xfrm>
+          <a:prstGeom prst="rect">
+            <a:avLst/>
+          </a:prstGeom>
+          <a:noFill/>
+        </p:spPr>
+        <p:txBody>
+          <a:bodyPr wrap="square" rtlCol="0">
+            <a:spAutoFit/>
+          </a:bodyPr>
+          <a:lstStyle/>
+          <a:p>
+            <a:r>
+              <a:rPr lang="en-US" sz="1350" b="1" dirty="0">
+                <a:solidFill>
+                  <a:srgbClr val="E0E0E0"/>
+                </a:solidFill>
+              </a:rPr>
+              <a:t>Sample 2</a:t>
+            </a:r>
+          </a:p>
+        </p:txBody>
+      </p:sp>
+      <p:sp>
+        <p:nvSpPr>
+          <p:cNvPr id="25" name="Textfeld 24"/>
+          <p:cNvSpPr txBox="1"/>
+          <p:nvPr/>
+        </p:nvSpPr>
+        <p:spPr>
+          <a:xfrm>
+            <a:off x="2551739" y="3047498"/>
+            <a:ext cx="918482" cy="300082"/>
+          </a:xfrm>
+          <a:prstGeom prst="rect">
+            <a:avLst/>
+          </a:prstGeom>
+          <a:noFill/>
+        </p:spPr>
+        <p:txBody>
+          <a:bodyPr wrap="square" rtlCol="0">
+            <a:spAutoFit/>
+          </a:bodyPr>
+          <a:lstStyle/>
+          <a:p>
+            <a:r>
+              <a:rPr lang="en-US" sz="1350" b="1" dirty="0">
+                <a:solidFill>
+                  <a:srgbClr val="E0E0E0"/>
+                </a:solidFill>
+              </a:rPr>
+              <a:t>Sample 1</a:t>
+            </a:r>
+          </a:p>
+        </p:txBody>
+      </p:sp>
+    </p:spTree>
+    <p:extLst>
+      <p:ext uri="{BB962C8B-B14F-4D97-AF65-F5344CB8AC3E}">
+        <p14:creationId xmlns:p14="http://schemas.microsoft.com/office/powerpoint/2010/main" val="2495058350"/>
       </p:ext>
     </p:extLst>
   </p:cSld>
